--- a/NoSQL/The Survey On CockroachDB.pptx
+++ b/NoSQL/The Survey On CockroachDB.pptx
@@ -11078,7 +11078,7 @@
         </p:blipFill>
         <p:spPr>
           <a:xfrm>
-            <a:off x="1493932" y="2390075"/>
+            <a:off x="1493932" y="2467130"/>
             <a:ext cx="9207312" cy="3681079"/>
           </a:xfrm>
           <a:prstGeom prst="rect">
@@ -11126,18 +11126,386 @@
             <p:ph type="title"/>
           </p:nvPr>
         </p:nvSpPr>
-        <p:spPr bwMode="gray"/>
+        <p:spPr bwMode="gray">
+          <a:xfrm>
+            <a:off x="504001" y="431428"/>
+            <a:ext cx="11186476" cy="615553"/>
+          </a:xfrm>
+        </p:spPr>
         <p:txBody>
           <a:bodyPr/>
           <a:lstStyle/>
           <a:p>
             <a:r>
-              <a:rPr lang="en-US" dirty="0"/>
-              <a:t>Insert page title (sentence case)</a:t>
-            </a:r>
-          </a:p>
-        </p:txBody>
-      </p:sp>
+              <a:rPr lang="en-US" dirty="0" err="1"/>
+              <a:t>TiDB</a:t>
+            </a:r>
+            <a:br>
+              <a:rPr lang="en-US" dirty="0"/>
+            </a:br>
+            <a:r>
+              <a:rPr lang="en-US" sz="1600" b="0" dirty="0"/>
+              <a:t>Architecture</a:t>
+            </a:r>
+          </a:p>
+        </p:txBody>
+      </p:sp>
+      <p:sp>
+        <p:nvSpPr>
+          <p:cNvPr id="3" name="Text Placeholder">
+            <a:extLst>
+              <a:ext uri="{FF2B5EF4-FFF2-40B4-BE49-F238E27FC236}">
+                <a16:creationId xmlns:a16="http://schemas.microsoft.com/office/drawing/2014/main" id="{59A97382-FB2F-4B88-BADE-06115EB80D78}"/>
+              </a:ext>
+            </a:extLst>
+          </p:cNvPr>
+          <p:cNvSpPr txBox="1">
+            <a:spLocks/>
+          </p:cNvSpPr>
+          <p:nvPr/>
+        </p:nvSpPr>
+        <p:spPr bwMode="gray">
+          <a:xfrm>
+            <a:off x="743520" y="1063326"/>
+            <a:ext cx="5353719" cy="4919230"/>
+          </a:xfrm>
+          <a:prstGeom prst="rect">
+            <a:avLst/>
+          </a:prstGeom>
+        </p:spPr>
+        <p:txBody>
+          <a:bodyPr/>
+          <a:lstStyle>
+            <a:lvl1pPr marL="0" indent="0" algn="l" defTabSz="1088558" rtl="0" eaLnBrk="1" latinLnBrk="0" hangingPunct="1">
+              <a:spcBef>
+                <a:spcPts val="1800"/>
+              </a:spcBef>
+              <a:buClr>
+                <a:schemeClr val="accent1"/>
+              </a:buClr>
+              <a:buSzPct val="80000"/>
+              <a:buFontTx/>
+              <a:buNone/>
+              <a:defRPr sz="2000" b="0" kern="1200">
+                <a:solidFill>
+                  <a:schemeClr val="tx1"/>
+                </a:solidFill>
+                <a:latin typeface="+mn-lt"/>
+                <a:ea typeface="+mn-ea"/>
+                <a:cs typeface="+mn-cs"/>
+              </a:defRPr>
+            </a:lvl1pPr>
+            <a:lvl2pPr marL="179964" indent="-179964" algn="l" defTabSz="1088558" rtl="0" eaLnBrk="1" latinLnBrk="0" hangingPunct="1">
+              <a:spcBef>
+                <a:spcPts val="600"/>
+              </a:spcBef>
+              <a:buClr>
+                <a:schemeClr val="accent1"/>
+              </a:buClr>
+              <a:buSzPct val="100000"/>
+              <a:buFont typeface="Wingdings" pitchFamily="2" charset="2"/>
+              <a:buChar char="§"/>
+              <a:defRPr sz="1800" kern="1200">
+                <a:solidFill>
+                  <a:schemeClr val="tx1"/>
+                </a:solidFill>
+                <a:latin typeface="+mn-lt"/>
+                <a:ea typeface="+mn-ea"/>
+                <a:cs typeface="+mn-cs"/>
+              </a:defRPr>
+            </a:lvl2pPr>
+            <a:lvl3pPr marL="358775" indent="-179388" algn="l" defTabSz="1088558" rtl="0" eaLnBrk="1" latinLnBrk="0" hangingPunct="1">
+              <a:spcBef>
+                <a:spcPts val="300"/>
+              </a:spcBef>
+              <a:buClr>
+                <a:schemeClr val="tx1"/>
+              </a:buClr>
+              <a:buSzPct val="100000"/>
+              <a:buFont typeface="Arial" panose="020B0604020202020204" pitchFamily="34" charset="0"/>
+              <a:buChar char="–"/>
+              <a:defRPr lang="en-US" sz="1800" kern="1200" noProof="0" dirty="0" smtClean="0">
+                <a:solidFill>
+                  <a:schemeClr val="tx1"/>
+                </a:solidFill>
+                <a:latin typeface="+mn-lt"/>
+                <a:ea typeface="+mn-ea"/>
+                <a:cs typeface="+mn-cs"/>
+              </a:defRPr>
+            </a:lvl3pPr>
+            <a:lvl4pPr marL="539892" indent="-179964" algn="l" defTabSz="1088558" rtl="0" eaLnBrk="1" latinLnBrk="0" hangingPunct="1">
+              <a:spcBef>
+                <a:spcPts val="300"/>
+              </a:spcBef>
+              <a:buClr>
+                <a:schemeClr val="tx1"/>
+              </a:buClr>
+              <a:buSzPct val="120000"/>
+              <a:buFont typeface="Arial" pitchFamily="34" charset="0"/>
+              <a:buChar char="▫"/>
+              <a:defRPr sz="1600" kern="1200">
+                <a:solidFill>
+                  <a:schemeClr val="tx1"/>
+                </a:solidFill>
+                <a:latin typeface="+mn-lt"/>
+                <a:ea typeface="+mn-ea"/>
+                <a:cs typeface="+mn-cs"/>
+              </a:defRPr>
+            </a:lvl4pPr>
+            <a:lvl5pPr marL="719856" indent="-179964" algn="l" defTabSz="1088558" rtl="0" eaLnBrk="1" latinLnBrk="0" hangingPunct="1">
+              <a:spcBef>
+                <a:spcPts val="100"/>
+              </a:spcBef>
+              <a:buClr>
+                <a:schemeClr val="tx1"/>
+              </a:buClr>
+              <a:buSzPct val="100000"/>
+              <a:buFont typeface="Symbol" panose="05050102010706020507" pitchFamily="18" charset="2"/>
+              <a:buChar char="-"/>
+              <a:defRPr sz="1400" kern="1200" baseline="0">
+                <a:solidFill>
+                  <a:schemeClr val="tx1"/>
+                </a:solidFill>
+                <a:latin typeface="+mn-lt"/>
+                <a:ea typeface="+mn-ea"/>
+                <a:cs typeface="+mn-cs"/>
+              </a:defRPr>
+            </a:lvl5pPr>
+            <a:lvl6pPr marL="2993535" indent="-272140" algn="l" defTabSz="1088558" rtl="0" eaLnBrk="1" latinLnBrk="0" hangingPunct="1">
+              <a:spcBef>
+                <a:spcPct val="20000"/>
+              </a:spcBef>
+              <a:buFont typeface="Arial" pitchFamily="34" charset="0"/>
+              <a:buChar char="•"/>
+              <a:defRPr sz="2400" kern="1200">
+                <a:solidFill>
+                  <a:schemeClr val="tx1"/>
+                </a:solidFill>
+                <a:latin typeface="+mn-lt"/>
+                <a:ea typeface="+mn-ea"/>
+                <a:cs typeface="+mn-cs"/>
+              </a:defRPr>
+            </a:lvl6pPr>
+            <a:lvl7pPr marL="3537814" indent="-272140" algn="l" defTabSz="1088558" rtl="0" eaLnBrk="1" latinLnBrk="0" hangingPunct="1">
+              <a:spcBef>
+                <a:spcPct val="20000"/>
+              </a:spcBef>
+              <a:buFont typeface="Arial" pitchFamily="34" charset="0"/>
+              <a:buChar char="•"/>
+              <a:defRPr sz="2400" kern="1200">
+                <a:solidFill>
+                  <a:schemeClr val="tx1"/>
+                </a:solidFill>
+                <a:latin typeface="+mn-lt"/>
+                <a:ea typeface="+mn-ea"/>
+                <a:cs typeface="+mn-cs"/>
+              </a:defRPr>
+            </a:lvl7pPr>
+            <a:lvl8pPr marL="4082093" indent="-272140" algn="l" defTabSz="1088558" rtl="0" eaLnBrk="1" latinLnBrk="0" hangingPunct="1">
+              <a:spcBef>
+                <a:spcPct val="20000"/>
+              </a:spcBef>
+              <a:buFont typeface="Arial" pitchFamily="34" charset="0"/>
+              <a:buChar char="•"/>
+              <a:defRPr sz="2400" kern="1200">
+                <a:solidFill>
+                  <a:schemeClr val="tx1"/>
+                </a:solidFill>
+                <a:latin typeface="+mn-lt"/>
+                <a:ea typeface="+mn-ea"/>
+                <a:cs typeface="+mn-cs"/>
+              </a:defRPr>
+            </a:lvl8pPr>
+            <a:lvl9pPr marL="4626373" indent="-272140" algn="l" defTabSz="1088558" rtl="0" eaLnBrk="1" latinLnBrk="0" hangingPunct="1">
+              <a:spcBef>
+                <a:spcPct val="20000"/>
+              </a:spcBef>
+              <a:buFont typeface="Arial" pitchFamily="34" charset="0"/>
+              <a:buChar char="•"/>
+              <a:defRPr sz="2400" kern="1200">
+                <a:solidFill>
+                  <a:schemeClr val="tx1"/>
+                </a:solidFill>
+                <a:latin typeface="+mn-lt"/>
+                <a:ea typeface="+mn-ea"/>
+                <a:cs typeface="+mn-cs"/>
+              </a:defRPr>
+            </a:lvl9pPr>
+          </a:lstStyle>
+          <a:p>
+            <a:endParaRPr lang="en-US" dirty="0"/>
+          </a:p>
+          <a:p>
+            <a:pPr lvl="1"/>
+            <a:r>
+              <a:rPr lang="en-US" sz="2800" dirty="0"/>
+              <a:t>It has three core components:</a:t>
+            </a:r>
+          </a:p>
+          <a:p>
+            <a:pPr lvl="2"/>
+            <a:r>
+              <a:rPr lang="en-US" sz="2800" dirty="0"/>
+              <a:t>A distributed storage layer</a:t>
+            </a:r>
+          </a:p>
+          <a:p>
+            <a:pPr lvl="3"/>
+            <a:r>
+              <a:rPr lang="en-US" sz="2800" dirty="0"/>
+              <a:t>A row store(</a:t>
+            </a:r>
+            <a:r>
+              <a:rPr lang="en-US" sz="2800" dirty="0" err="1"/>
+              <a:t>TiKV</a:t>
+            </a:r>
+            <a:r>
+              <a:rPr lang="en-US" sz="2800" dirty="0"/>
+              <a:t>)</a:t>
+            </a:r>
+          </a:p>
+          <a:p>
+            <a:pPr lvl="3"/>
+            <a:r>
+              <a:rPr lang="en-US" sz="2800" dirty="0"/>
+              <a:t>A columnar store(</a:t>
+            </a:r>
+            <a:r>
+              <a:rPr lang="en-US" sz="2800" dirty="0" err="1"/>
+              <a:t>TIFlash</a:t>
+            </a:r>
+            <a:r>
+              <a:rPr lang="en-US" sz="2800" dirty="0"/>
+              <a:t>)</a:t>
+            </a:r>
+          </a:p>
+          <a:p>
+            <a:pPr lvl="2"/>
+            <a:r>
+              <a:rPr lang="en-US" sz="2800" dirty="0"/>
+              <a:t>A Placement Driver</a:t>
+            </a:r>
+          </a:p>
+          <a:p>
+            <a:pPr lvl="3"/>
+            <a:r>
+              <a:rPr lang="en-US" altLang="zh-CN" sz="2600" dirty="0"/>
+              <a:t>Managing regions</a:t>
+            </a:r>
+          </a:p>
+          <a:p>
+            <a:pPr lvl="4"/>
+            <a:r>
+              <a:rPr lang="en-US" sz="2400" dirty="0"/>
+              <a:t>Supplying each key’s region and physical location</a:t>
+            </a:r>
+          </a:p>
+          <a:p>
+            <a:pPr lvl="2"/>
+            <a:r>
+              <a:rPr lang="en-US" sz="2800" dirty="0"/>
+              <a:t>A computation engine layer</a:t>
+            </a:r>
+          </a:p>
+          <a:p>
+            <a:pPr lvl="1"/>
+            <a:endParaRPr lang="en-US" dirty="0"/>
+          </a:p>
+          <a:p>
+            <a:pPr lvl="2"/>
+            <a:endParaRPr lang="en-US" dirty="0"/>
+          </a:p>
+        </p:txBody>
+      </p:sp>
+      <p:pic>
+        <p:nvPicPr>
+          <p:cNvPr id="5" name="图片 4">
+            <a:extLst>
+              <a:ext uri="{FF2B5EF4-FFF2-40B4-BE49-F238E27FC236}">
+                <a16:creationId xmlns:a16="http://schemas.microsoft.com/office/drawing/2014/main" id="{342B129F-A675-453D-BA24-F6910B214611}"/>
+              </a:ext>
+            </a:extLst>
+          </p:cNvPr>
+          <p:cNvPicPr>
+            <a:picLocks noChangeAspect="1"/>
+          </p:cNvPicPr>
+          <p:nvPr/>
+        </p:nvPicPr>
+        <p:blipFill>
+          <a:blip r:embed="rId2"/>
+          <a:stretch>
+            <a:fillRect/>
+          </a:stretch>
+        </p:blipFill>
+        <p:spPr>
+          <a:xfrm>
+            <a:off x="6353623" y="623163"/>
+            <a:ext cx="5032883" cy="1928240"/>
+          </a:xfrm>
+          <a:prstGeom prst="rect">
+            <a:avLst/>
+          </a:prstGeom>
+        </p:spPr>
+      </p:pic>
+      <p:pic>
+        <p:nvPicPr>
+          <p:cNvPr id="6" name="图片 5">
+            <a:extLst>
+              <a:ext uri="{FF2B5EF4-FFF2-40B4-BE49-F238E27FC236}">
+                <a16:creationId xmlns:a16="http://schemas.microsoft.com/office/drawing/2014/main" id="{78EB69E3-930B-43A5-8CFD-E431F8842C33}"/>
+              </a:ext>
+            </a:extLst>
+          </p:cNvPr>
+          <p:cNvPicPr>
+            <a:picLocks noChangeAspect="1"/>
+          </p:cNvPicPr>
+          <p:nvPr/>
+        </p:nvPicPr>
+        <p:blipFill>
+          <a:blip r:embed="rId3"/>
+          <a:stretch>
+            <a:fillRect/>
+          </a:stretch>
+        </p:blipFill>
+        <p:spPr>
+          <a:xfrm>
+            <a:off x="6536365" y="4054316"/>
+            <a:ext cx="4915290" cy="1928240"/>
+          </a:xfrm>
+          <a:prstGeom prst="rect">
+            <a:avLst/>
+          </a:prstGeom>
+        </p:spPr>
+      </p:pic>
+      <p:pic>
+        <p:nvPicPr>
+          <p:cNvPr id="8" name="图片 7">
+            <a:extLst>
+              <a:ext uri="{FF2B5EF4-FFF2-40B4-BE49-F238E27FC236}">
+                <a16:creationId xmlns:a16="http://schemas.microsoft.com/office/drawing/2014/main" id="{8AAFE196-DE43-40F6-9E3D-EDCF63929A84}"/>
+              </a:ext>
+            </a:extLst>
+          </p:cNvPr>
+          <p:cNvPicPr>
+            <a:picLocks noChangeAspect="1"/>
+          </p:cNvPicPr>
+          <p:nvPr/>
+        </p:nvPicPr>
+        <p:blipFill rotWithShape="1">
+          <a:blip r:embed="rId4"/>
+          <a:srcRect t="10252"/>
+          <a:stretch/>
+        </p:blipFill>
+        <p:spPr>
+          <a:xfrm>
+            <a:off x="6418772" y="2817090"/>
+            <a:ext cx="5559625" cy="705851"/>
+          </a:xfrm>
+          <a:prstGeom prst="rect">
+            <a:avLst/>
+          </a:prstGeom>
+        </p:spPr>
+      </p:pic>
     </p:spTree>
     <p:extLst>
       <p:ext uri="{BB962C8B-B14F-4D97-AF65-F5344CB8AC3E}">
@@ -11187,6 +11555,60 @@
               <a:rPr lang="en-US" dirty="0"/>
               <a:t>Insert page title (sentence case)</a:t>
             </a:r>
+          </a:p>
+        </p:txBody>
+      </p:sp>
+      <p:sp>
+        <p:nvSpPr>
+          <p:cNvPr id="4" name="文本框 3">
+            <a:extLst>
+              <a:ext uri="{FF2B5EF4-FFF2-40B4-BE49-F238E27FC236}">
+                <a16:creationId xmlns:a16="http://schemas.microsoft.com/office/drawing/2014/main" id="{A175CD46-A09E-4212-996D-8BBF6F36A238}"/>
+              </a:ext>
+            </a:extLst>
+          </p:cNvPr>
+          <p:cNvSpPr txBox="1"/>
+          <p:nvPr/>
+        </p:nvSpPr>
+        <p:spPr>
+          <a:xfrm>
+            <a:off x="3819133" y="3069344"/>
+            <a:ext cx="5593239" cy="276999"/>
+          </a:xfrm>
+          <a:prstGeom prst="rect">
+            <a:avLst/>
+          </a:prstGeom>
+          <a:noFill/>
+        </p:spPr>
+        <p:txBody>
+          <a:bodyPr wrap="square" lIns="0" tIns="0" rIns="0" bIns="0" rtlCol="0">
+            <a:spAutoFit/>
+          </a:bodyPr>
+          <a:lstStyle/>
+          <a:p>
+            <a:pPr fontAlgn="base">
+              <a:spcBef>
+                <a:spcPct val="50000"/>
+              </a:spcBef>
+              <a:spcAft>
+                <a:spcPct val="0"/>
+              </a:spcAft>
+              <a:buClr>
+                <a:srgbClr val="F0AB00"/>
+              </a:buClr>
+              <a:buSzPct val="80000"/>
+            </a:pPr>
+            <a:r>
+              <a:rPr lang="en-US" altLang="zh-CN" sz="1800" kern="0" dirty="0">
+                <a:ea typeface="Arial Unicode MS" pitchFamily="34" charset="-128"/>
+                <a:cs typeface="Arial Unicode MS" pitchFamily="34" charset="-128"/>
+              </a:rPr>
+              <a:t>Each tuple is mapped into key-value pair:</a:t>
+            </a:r>
+            <a:endParaRPr lang="zh-CN" altLang="en-US" sz="1800" kern="0" dirty="0" err="1">
+              <a:ea typeface="Arial Unicode MS" pitchFamily="34" charset="-128"/>
+              <a:cs typeface="Arial Unicode MS" pitchFamily="34" charset="-128"/>
+            </a:endParaRPr>
           </a:p>
         </p:txBody>
       </p:sp>
@@ -12159,6 +12581,21 @@
 </file>
 
 <file path=customXml/item1.xml><?xml version="1.0" encoding="utf-8"?>
+<?mso-contentType ?>
+<FormTemplates xmlns="http://schemas.microsoft.com/sharepoint/v3/contenttype/forms">
+  <Display>DocumentLibraryForm</Display>
+  <Edit>DocumentLibraryForm</Edit>
+  <New>DocumentLibraryForm</New>
+</FormTemplates>
+</file>
+
+<file path=customXml/item2.xml><?xml version="1.0" encoding="utf-8"?>
+<p:properties xmlns:p="http://schemas.microsoft.com/office/2006/metadata/properties" xmlns:xsi="http://www.w3.org/2001/XMLSchema-instance" xmlns:pc="http://schemas.microsoft.com/office/infopath/2007/PartnerControls">
+  <documentManagement/>
+</p:properties>
+</file>
+
+<file path=customXml/item3.xml><?xml version="1.0" encoding="utf-8"?>
 <ct:contentTypeSchema xmlns:ct="http://schemas.microsoft.com/office/2006/metadata/contentType" xmlns:ma="http://schemas.microsoft.com/office/2006/metadata/properties/metaAttributes" ct:_="" ma:_="" ma:contentTypeName="Dokument" ma:contentTypeID="0x010100FE3E8B596245C240B913CA1825D8323E" ma:contentTypeVersion="2" ma:contentTypeDescription="Ein neues Dokument erstellen." ma:contentTypeScope="" ma:versionID="d07af3819a34b45ea68cbd04711a1fcb">
   <xsd:schema xmlns:xsd="http://www.w3.org/2001/XMLSchema" xmlns:xs="http://www.w3.org/2001/XMLSchema" xmlns:p="http://schemas.microsoft.com/office/2006/metadata/properties" xmlns:ns2="cbd03908-ee30-408a-b5f8-8b129e892ff3" targetNamespace="http://schemas.microsoft.com/office/2006/metadata/properties" ma:root="true" ma:fieldsID="1f4ce58f1eea7887a27fb72747442165" ns2:_="">
     <xsd:import namespace="cbd03908-ee30-408a-b5f8-8b129e892ff3"/>
@@ -12290,22 +12727,24 @@
 </ct:contentTypeSchema>
 </file>
 
-<file path=customXml/item2.xml><?xml version="1.0" encoding="utf-8"?>
-<p:properties xmlns:p="http://schemas.microsoft.com/office/2006/metadata/properties" xmlns:xsi="http://www.w3.org/2001/XMLSchema-instance" xmlns:pc="http://schemas.microsoft.com/office/infopath/2007/PartnerControls">
-  <documentManagement/>
-</p:properties>
+<file path=customXml/itemProps1.xml><?xml version="1.0" encoding="utf-8"?>
+<ds:datastoreItem xmlns:ds="http://schemas.openxmlformats.org/officeDocument/2006/customXml" ds:itemID="{2DA81D51-CB8B-4E00-A304-5985D65D0CEC}">
+  <ds:schemaRefs>
+    <ds:schemaRef ds:uri="http://schemas.microsoft.com/sharepoint/v3/contenttype/forms"/>
+  </ds:schemaRefs>
+</ds:datastoreItem>
 </file>
 
-<file path=customXml/item3.xml><?xml version="1.0" encoding="utf-8"?>
-<?mso-contentType ?>
-<FormTemplates xmlns="http://schemas.microsoft.com/sharepoint/v3/contenttype/forms">
-  <Display>DocumentLibraryForm</Display>
-  <Edit>DocumentLibraryForm</Edit>
-  <New>DocumentLibraryForm</New>
-</FormTemplates>
+<file path=customXml/itemProps2.xml><?xml version="1.0" encoding="utf-8"?>
+<ds:datastoreItem xmlns:ds="http://schemas.openxmlformats.org/officeDocument/2006/customXml" ds:itemID="{B5A61EA0-C632-450D-8732-FBE1B6CC6F01}">
+  <ds:schemaRefs>
+    <ds:schemaRef ds:uri="http://schemas.microsoft.com/office/2006/metadata/properties"/>
+    <ds:schemaRef ds:uri="http://schemas.microsoft.com/office/infopath/2007/PartnerControls"/>
+  </ds:schemaRefs>
+</ds:datastoreItem>
 </file>
 
-<file path=customXml/itemProps1.xml><?xml version="1.0" encoding="utf-8"?>
+<file path=customXml/itemProps3.xml><?xml version="1.0" encoding="utf-8"?>
 <ds:datastoreItem xmlns:ds="http://schemas.openxmlformats.org/officeDocument/2006/customXml" ds:itemID="{5BCC86C0-0DD0-4840-A0C1-33A1E70698E1}">
   <ds:schemaRefs>
     <ds:schemaRef ds:uri="http://schemas.microsoft.com/office/2006/metadata/contentType"/>
@@ -12321,21 +12760,4 @@
     <ds:schemaRef ds:uri="http://schemas.microsoft.com/internal/obd"/>
   </ds:schemaRefs>
 </ds:datastoreItem>
-</file>
-
-<file path=customXml/itemProps2.xml><?xml version="1.0" encoding="utf-8"?>
-<ds:datastoreItem xmlns:ds="http://schemas.openxmlformats.org/officeDocument/2006/customXml" ds:itemID="{B5A61EA0-C632-450D-8732-FBE1B6CC6F01}">
-  <ds:schemaRefs>
-    <ds:schemaRef ds:uri="http://schemas.microsoft.com/office/2006/metadata/properties"/>
-    <ds:schemaRef ds:uri="http://schemas.microsoft.com/office/infopath/2007/PartnerControls"/>
-  </ds:schemaRefs>
-</ds:datastoreItem>
-</file>
-
-<file path=customXml/itemProps3.xml><?xml version="1.0" encoding="utf-8"?>
-<ds:datastoreItem xmlns:ds="http://schemas.openxmlformats.org/officeDocument/2006/customXml" ds:itemID="{2DA81D51-CB8B-4E00-A304-5985D65D0CEC}">
-  <ds:schemaRefs>
-    <ds:schemaRef ds:uri="http://schemas.microsoft.com/sharepoint/v3/contenttype/forms"/>
-  </ds:schemaRefs>
-</ds:datastoreItem>
 </file>
--- a/NoSQL/The Survey On CockroachDB.pptx
+++ b/NoSQL/The Survey On CockroachDB.pptx
@@ -6,10 +6,10 @@
     <p:sldMasterId id="2147483782" r:id="rId5"/>
   </p:sldMasterIdLst>
   <p:notesMasterIdLst>
-    <p:notesMasterId r:id="rId31"/>
+    <p:notesMasterId r:id="rId16"/>
   </p:notesMasterIdLst>
   <p:handoutMasterIdLst>
-    <p:handoutMasterId r:id="rId32"/>
+    <p:handoutMasterId r:id="rId17"/>
   </p:handoutMasterIdLst>
   <p:sldIdLst>
     <p:sldId id="439" r:id="rId6"/>
@@ -20,23 +20,8 @@
     <p:sldId id="455" r:id="rId11"/>
     <p:sldId id="456" r:id="rId12"/>
     <p:sldId id="364" r:id="rId13"/>
-    <p:sldId id="450" r:id="rId14"/>
-    <p:sldId id="451" r:id="rId15"/>
-    <p:sldId id="452" r:id="rId16"/>
-    <p:sldId id="453" r:id="rId17"/>
-    <p:sldId id="449" r:id="rId18"/>
-    <p:sldId id="374" r:id="rId19"/>
-    <p:sldId id="445" r:id="rId20"/>
-    <p:sldId id="380" r:id="rId21"/>
-    <p:sldId id="379" r:id="rId22"/>
-    <p:sldId id="423" r:id="rId23"/>
-    <p:sldId id="387" r:id="rId24"/>
-    <p:sldId id="390" r:id="rId25"/>
-    <p:sldId id="420" r:id="rId26"/>
-    <p:sldId id="421" r:id="rId27"/>
-    <p:sldId id="413" r:id="rId28"/>
-    <p:sldId id="265" r:id="rId29"/>
-    <p:sldId id="435" r:id="rId30"/>
+    <p:sldId id="413" r:id="rId14"/>
+    <p:sldId id="265" r:id="rId15"/>
   </p:sldIdLst>
   <p:sldSz cx="12195175" cy="6858000"/>
   <p:notesSz cx="6858000" cy="9144000"/>
@@ -732,7 +717,7 @@
             <a:fld id="{7D8C2C35-2B8A-446E-BEC0-FD36716C29AC}" type="slidenum">
               <a:rPr lang="de-DE" smtClean="0"/>
               <a:pPr/>
-              <a:t>24</a:t>
+              <a:t>10</a:t>
             </a:fld>
             <a:endParaRPr lang="de-DE" dirty="0"/>
           </a:p>
@@ -8702,7 +8687,7 @@
 </file>
 
 <file path=ppt/slides/slide10.xml><?xml version="1.0" encoding="utf-8"?>
-<p:sld xmlns:a="http://schemas.openxmlformats.org/drawingml/2006/main" xmlns:r="http://schemas.openxmlformats.org/officeDocument/2006/relationships" xmlns:p="http://schemas.openxmlformats.org/presentationml/2006/main">
+<p:sld xmlns:a="http://schemas.openxmlformats.org/drawingml/2006/main" xmlns:r="http://schemas.openxmlformats.org/officeDocument/2006/relationships" xmlns:p="http://schemas.openxmlformats.org/presentationml/2006/main" show="0">
   <p:cSld>
     <p:spTree>
       <p:nvGrpSpPr>
@@ -8718,798 +8703,12 @@
           <a:chExt cx="0" cy="0"/>
         </a:xfrm>
       </p:grpSpPr>
-      <p:sp>
-        <p:nvSpPr>
-          <p:cNvPr id="24" name="Title"/>
-          <p:cNvSpPr>
-            <a:spLocks noGrp="1"/>
-          </p:cNvSpPr>
-          <p:nvPr>
-            <p:ph type="title"/>
-          </p:nvPr>
-        </p:nvSpPr>
-        <p:spPr bwMode="gray"/>
-        <p:txBody>
-          <a:bodyPr/>
-          <a:lstStyle/>
-          <a:p>
-            <a:r>
-              <a:rPr lang="en-US" dirty="0"/>
-              <a:t>Insert page title (sentence case)</a:t>
-            </a:r>
-          </a:p>
-        </p:txBody>
-      </p:sp>
     </p:spTree>
-    <p:extLst>
-      <p:ext uri="{BB962C8B-B14F-4D97-AF65-F5344CB8AC3E}">
-        <p14:creationId xmlns:p14="http://schemas.microsoft.com/office/powerpoint/2010/main" val="1176095643"/>
-      </p:ext>
-    </p:extLst>
   </p:cSld>
   <p:clrMapOvr>
     <a:masterClrMapping/>
   </p:clrMapOvr>
-</p:sld>
-</file>
-
-<file path=ppt/slides/slide11.xml><?xml version="1.0" encoding="utf-8"?>
-<p:sld xmlns:a="http://schemas.openxmlformats.org/drawingml/2006/main" xmlns:r="http://schemas.openxmlformats.org/officeDocument/2006/relationships" xmlns:p="http://schemas.openxmlformats.org/presentationml/2006/main">
-  <p:cSld>
-    <p:spTree>
-      <p:nvGrpSpPr>
-        <p:cNvPr id="1" name=""/>
-        <p:cNvGrpSpPr/>
-        <p:nvPr/>
-      </p:nvGrpSpPr>
-      <p:grpSpPr>
-        <a:xfrm>
-          <a:off x="0" y="0"/>
-          <a:ext cx="0" cy="0"/>
-          <a:chOff x="0" y="0"/>
-          <a:chExt cx="0" cy="0"/>
-        </a:xfrm>
-      </p:grpSpPr>
-      <p:sp>
-        <p:nvSpPr>
-          <p:cNvPr id="24" name="Title"/>
-          <p:cNvSpPr>
-            <a:spLocks noGrp="1"/>
-          </p:cNvSpPr>
-          <p:nvPr>
-            <p:ph type="title"/>
-          </p:nvPr>
-        </p:nvSpPr>
-        <p:spPr bwMode="gray"/>
-        <p:txBody>
-          <a:bodyPr/>
-          <a:lstStyle/>
-          <a:p>
-            <a:r>
-              <a:rPr lang="en-US" dirty="0"/>
-              <a:t>Insert page title (sentence case)</a:t>
-            </a:r>
-          </a:p>
-        </p:txBody>
-      </p:sp>
-    </p:spTree>
-    <p:extLst>
-      <p:ext uri="{BB962C8B-B14F-4D97-AF65-F5344CB8AC3E}">
-        <p14:creationId xmlns:p14="http://schemas.microsoft.com/office/powerpoint/2010/main" val="4142651950"/>
-      </p:ext>
-    </p:extLst>
-  </p:cSld>
-  <p:clrMapOvr>
-    <a:masterClrMapping/>
-  </p:clrMapOvr>
-</p:sld>
-</file>
-
-<file path=ppt/slides/slide12.xml><?xml version="1.0" encoding="utf-8"?>
-<p:sld xmlns:a="http://schemas.openxmlformats.org/drawingml/2006/main" xmlns:r="http://schemas.openxmlformats.org/officeDocument/2006/relationships" xmlns:p="http://schemas.openxmlformats.org/presentationml/2006/main">
-  <p:cSld>
-    <p:spTree>
-      <p:nvGrpSpPr>
-        <p:cNvPr id="1" name=""/>
-        <p:cNvGrpSpPr/>
-        <p:nvPr/>
-      </p:nvGrpSpPr>
-      <p:grpSpPr>
-        <a:xfrm>
-          <a:off x="0" y="0"/>
-          <a:ext cx="0" cy="0"/>
-          <a:chOff x="0" y="0"/>
-          <a:chExt cx="0" cy="0"/>
-        </a:xfrm>
-      </p:grpSpPr>
-      <p:sp>
-        <p:nvSpPr>
-          <p:cNvPr id="11" name="Text Placeholder"/>
-          <p:cNvSpPr>
-            <a:spLocks noGrp="1"/>
-          </p:cNvSpPr>
-          <p:nvPr>
-            <p:ph type="body" sz="quarter" idx="10"/>
-          </p:nvPr>
-        </p:nvSpPr>
-        <p:spPr bwMode="gray"/>
-        <p:txBody>
-          <a:bodyPr/>
-          <a:lstStyle/>
-          <a:p>
-            <a:pPr lvl="0"/>
-            <a:r>
-              <a:rPr lang="en-US" dirty="0"/>
-              <a:t>First level</a:t>
-            </a:r>
-          </a:p>
-          <a:p>
-            <a:pPr lvl="1"/>
-            <a:r>
-              <a:rPr lang="en-US" dirty="0"/>
-              <a:t>Second level</a:t>
-            </a:r>
-          </a:p>
-          <a:p>
-            <a:pPr lvl="3"/>
-            <a:r>
-              <a:rPr lang="en-US" dirty="0"/>
-              <a:t>Third level</a:t>
-            </a:r>
-          </a:p>
-        </p:txBody>
-      </p:sp>
-      <p:sp>
-        <p:nvSpPr>
-          <p:cNvPr id="4" name="Title"/>
-          <p:cNvSpPr>
-            <a:spLocks noGrp="1"/>
-          </p:cNvSpPr>
-          <p:nvPr>
-            <p:ph type="title"/>
-          </p:nvPr>
-        </p:nvSpPr>
-        <p:spPr bwMode="gray"/>
-        <p:txBody>
-          <a:bodyPr/>
-          <a:lstStyle/>
-          <a:p>
-            <a:r>
-              <a:rPr lang="en-US" dirty="0"/>
-              <a:t>Insert page title (sentence case)</a:t>
-            </a:r>
-          </a:p>
-        </p:txBody>
-      </p:sp>
-    </p:spTree>
-    <p:extLst>
-      <p:ext uri="{BB962C8B-B14F-4D97-AF65-F5344CB8AC3E}">
-        <p14:creationId xmlns:p14="http://schemas.microsoft.com/office/powerpoint/2010/main" val="1089511292"/>
-      </p:ext>
-    </p:extLst>
-  </p:cSld>
-  <p:clrMapOvr>
-    <a:masterClrMapping/>
-  </p:clrMapOvr>
-</p:sld>
-</file>
-
-<file path=ppt/slides/slide13.xml><?xml version="1.0" encoding="utf-8"?>
-<p:sld xmlns:a="http://schemas.openxmlformats.org/drawingml/2006/main" xmlns:r="http://schemas.openxmlformats.org/officeDocument/2006/relationships" xmlns:p="http://schemas.openxmlformats.org/presentationml/2006/main">
-  <p:cSld>
-    <p:spTree>
-      <p:nvGrpSpPr>
-        <p:cNvPr id="1" name=""/>
-        <p:cNvGrpSpPr/>
-        <p:nvPr/>
-      </p:nvGrpSpPr>
-      <p:grpSpPr>
-        <a:xfrm>
-          <a:off x="0" y="0"/>
-          <a:ext cx="0" cy="0"/>
-          <a:chOff x="0" y="0"/>
-          <a:chExt cx="0" cy="0"/>
-        </a:xfrm>
-      </p:grpSpPr>
-      <p:sp>
-        <p:nvSpPr>
-          <p:cNvPr id="11" name="Text Placeholder"/>
-          <p:cNvSpPr>
-            <a:spLocks noGrp="1"/>
-          </p:cNvSpPr>
-          <p:nvPr>
-            <p:ph type="body" sz="quarter" idx="10"/>
-          </p:nvPr>
-        </p:nvSpPr>
-        <p:spPr bwMode="gray"/>
-        <p:txBody>
-          <a:bodyPr/>
-          <a:lstStyle/>
-          <a:p>
-            <a:pPr lvl="0"/>
-            <a:r>
-              <a:rPr lang="en-US" dirty="0"/>
-              <a:t>First level</a:t>
-            </a:r>
-          </a:p>
-          <a:p>
-            <a:pPr lvl="1"/>
-            <a:r>
-              <a:rPr lang="en-US" dirty="0"/>
-              <a:t>Second level</a:t>
-            </a:r>
-          </a:p>
-          <a:p>
-            <a:pPr lvl="2"/>
-            <a:r>
-              <a:rPr lang="en-US" dirty="0"/>
-              <a:t>Third level</a:t>
-            </a:r>
-          </a:p>
-        </p:txBody>
-      </p:sp>
-      <p:sp>
-        <p:nvSpPr>
-          <p:cNvPr id="4" name="Title"/>
-          <p:cNvSpPr>
-            <a:spLocks noGrp="1"/>
-          </p:cNvSpPr>
-          <p:nvPr>
-            <p:ph type="title"/>
-          </p:nvPr>
-        </p:nvSpPr>
-        <p:spPr bwMode="gray">
-          <a:xfrm>
-            <a:off x="504001" y="504000"/>
-            <a:ext cx="11186476" cy="646331"/>
-          </a:xfrm>
-        </p:spPr>
-        <p:txBody>
-          <a:bodyPr/>
-          <a:lstStyle/>
-          <a:p>
-            <a:r>
-              <a:rPr lang="en-US" dirty="0"/>
-              <a:t>Insert page title (sentence case)</a:t>
-            </a:r>
-            <a:br>
-              <a:rPr lang="en-US" dirty="0"/>
-            </a:br>
-            <a:r>
-              <a:rPr lang="en-US" sz="1800" b="0" dirty="0" err="1"/>
-              <a:t>Subheadline</a:t>
-            </a:r>
-            <a:endParaRPr lang="en-US" b="0" dirty="0"/>
-          </a:p>
-        </p:txBody>
-      </p:sp>
-    </p:spTree>
-    <p:extLst>
-      <p:ext uri="{BB962C8B-B14F-4D97-AF65-F5344CB8AC3E}">
-        <p14:creationId xmlns:p14="http://schemas.microsoft.com/office/powerpoint/2010/main" val="1196408533"/>
-      </p:ext>
-    </p:extLst>
-  </p:cSld>
-  <p:clrMapOvr>
-    <a:masterClrMapping/>
-  </p:clrMapOvr>
-</p:sld>
-</file>
-
-<file path=ppt/slides/slide14.xml><?xml version="1.0" encoding="utf-8"?>
-<p:sld xmlns:a="http://schemas.openxmlformats.org/drawingml/2006/main" xmlns:r="http://schemas.openxmlformats.org/officeDocument/2006/relationships" xmlns:p="http://schemas.openxmlformats.org/presentationml/2006/main">
-  <p:cSld>
-    <p:spTree>
-      <p:nvGrpSpPr>
-        <p:cNvPr id="1" name=""/>
-        <p:cNvGrpSpPr/>
-        <p:nvPr/>
-      </p:nvGrpSpPr>
-      <p:grpSpPr>
-        <a:xfrm>
-          <a:off x="0" y="0"/>
-          <a:ext cx="0" cy="0"/>
-          <a:chOff x="0" y="0"/>
-          <a:chExt cx="0" cy="0"/>
-        </a:xfrm>
-      </p:grpSpPr>
-      <p:sp>
-        <p:nvSpPr>
-          <p:cNvPr id="11" name="Quote placeholder"/>
-          <p:cNvSpPr>
-            <a:spLocks noGrp="1"/>
-          </p:cNvSpPr>
-          <p:nvPr>
-            <p:ph type="body" sz="quarter" idx="10"/>
-          </p:nvPr>
-        </p:nvSpPr>
-        <p:spPr bwMode="gray"/>
-        <p:txBody>
-          <a:bodyPr/>
-          <a:lstStyle/>
-          <a:p>
-            <a:pPr lvl="0"/>
-            <a:r>
-              <a:rPr lang="en-US" dirty="0"/>
-              <a:t>“Quote goes here and here </a:t>
-            </a:r>
-            <a:r>
-              <a:rPr lang="en-US" dirty="0">
-                <a:solidFill>
-                  <a:schemeClr val="accent1"/>
-                </a:solidFill>
-              </a:rPr>
-              <a:t>and here</a:t>
-            </a:r>
-            <a:r>
-              <a:rPr lang="en-US" dirty="0"/>
-              <a:t>.”</a:t>
-            </a:r>
-          </a:p>
-          <a:p>
-            <a:pPr lvl="1"/>
-            <a:r>
-              <a:rPr lang="en-US" dirty="0"/>
-              <a:t>Source</a:t>
-            </a:r>
-          </a:p>
-        </p:txBody>
-      </p:sp>
-    </p:spTree>
-    <p:extLst>
-      <p:ext uri="{BB962C8B-B14F-4D97-AF65-F5344CB8AC3E}">
-        <p14:creationId xmlns:p14="http://schemas.microsoft.com/office/powerpoint/2010/main" val="3295641251"/>
-      </p:ext>
-    </p:extLst>
-  </p:cSld>
-  <p:clrMapOvr>
-    <a:masterClrMapping/>
-  </p:clrMapOvr>
-</p:sld>
-</file>
-
-<file path=ppt/slides/slide15.xml><?xml version="1.0" encoding="utf-8"?>
-<p:sld xmlns:a="http://schemas.openxmlformats.org/drawingml/2006/main" xmlns:r="http://schemas.openxmlformats.org/officeDocument/2006/relationships" xmlns:p="http://schemas.openxmlformats.org/presentationml/2006/main">
-  <p:cSld>
-    <p:spTree>
-      <p:nvGrpSpPr>
-        <p:cNvPr id="1" name=""/>
-        <p:cNvGrpSpPr/>
-        <p:nvPr/>
-      </p:nvGrpSpPr>
-      <p:grpSpPr>
-        <a:xfrm>
-          <a:off x="0" y="0"/>
-          <a:ext cx="0" cy="0"/>
-          <a:chOff x="0" y="0"/>
-          <a:chExt cx="0" cy="0"/>
-        </a:xfrm>
-      </p:grpSpPr>
-      <p:sp>
-        <p:nvSpPr>
-          <p:cNvPr id="11" name="Quote placeholder"/>
-          <p:cNvSpPr>
-            <a:spLocks noGrp="1"/>
-          </p:cNvSpPr>
-          <p:nvPr>
-            <p:ph type="body" sz="quarter" idx="10"/>
-          </p:nvPr>
-        </p:nvSpPr>
-        <p:spPr bwMode="gray"/>
-        <p:txBody>
-          <a:bodyPr/>
-          <a:lstStyle/>
-          <a:p>
-            <a:pPr lvl="0"/>
-            <a:r>
-              <a:rPr lang="en-US" dirty="0"/>
-              <a:t>“Quote goes here and here </a:t>
-            </a:r>
-            <a:r>
-              <a:rPr lang="en-US" dirty="0">
-                <a:solidFill>
-                  <a:schemeClr val="accent1"/>
-                </a:solidFill>
-              </a:rPr>
-              <a:t>and here</a:t>
-            </a:r>
-            <a:r>
-              <a:rPr lang="en-US" dirty="0"/>
-              <a:t>.”</a:t>
-            </a:r>
-          </a:p>
-          <a:p>
-            <a:pPr lvl="1"/>
-            <a:r>
-              <a:rPr lang="en-US" dirty="0"/>
-              <a:t>Source</a:t>
-            </a:r>
-          </a:p>
-        </p:txBody>
-      </p:sp>
-    </p:spTree>
-    <p:extLst>
-      <p:ext uri="{BB962C8B-B14F-4D97-AF65-F5344CB8AC3E}">
-        <p14:creationId xmlns:p14="http://schemas.microsoft.com/office/powerpoint/2010/main" val="2010228457"/>
-      </p:ext>
-    </p:extLst>
-  </p:cSld>
-  <p:clrMapOvr>
-    <a:masterClrMapping/>
-  </p:clrMapOvr>
-</p:sld>
-</file>
-
-<file path=ppt/slides/slide16.xml><?xml version="1.0" encoding="utf-8"?>
-<p:sld xmlns:a="http://schemas.openxmlformats.org/drawingml/2006/main" xmlns:r="http://schemas.openxmlformats.org/officeDocument/2006/relationships" xmlns:p="http://schemas.openxmlformats.org/presentationml/2006/main">
-  <p:cSld>
-    <p:spTree>
-      <p:nvGrpSpPr>
-        <p:cNvPr id="1" name=""/>
-        <p:cNvGrpSpPr/>
-        <p:nvPr/>
-      </p:nvGrpSpPr>
-      <p:grpSpPr>
-        <a:xfrm>
-          <a:off x="0" y="0"/>
-          <a:ext cx="0" cy="0"/>
-          <a:chOff x="0" y="0"/>
-          <a:chExt cx="0" cy="0"/>
-        </a:xfrm>
-      </p:grpSpPr>
-      <p:sp>
-        <p:nvSpPr>
-          <p:cNvPr id="6" name="Picture Placeholder" descr="Placeholder for an image" title="Image placeholder content slide"/>
-          <p:cNvSpPr>
-            <a:spLocks noGrp="1"/>
-          </p:cNvSpPr>
-          <p:nvPr>
-            <p:ph type="pic" sz="quarter" idx="10"/>
-          </p:nvPr>
-        </p:nvSpPr>
-        <p:spPr bwMode="gray"/>
-      </p:sp>
-      <p:sp>
-        <p:nvSpPr>
-          <p:cNvPr id="4" name="Text Placeholder"/>
-          <p:cNvSpPr>
-            <a:spLocks noGrp="1"/>
-          </p:cNvSpPr>
-          <p:nvPr>
-            <p:ph type="body" sz="quarter" idx="11"/>
-          </p:nvPr>
-        </p:nvSpPr>
-        <p:spPr bwMode="gray"/>
-        <p:txBody>
-          <a:bodyPr/>
-          <a:lstStyle/>
-          <a:p>
-            <a:pPr lvl="0"/>
-            <a:r>
-              <a:rPr lang="en-US" dirty="0"/>
-              <a:t>First level</a:t>
-            </a:r>
-          </a:p>
-          <a:p>
-            <a:pPr lvl="1"/>
-            <a:r>
-              <a:rPr lang="en-US" dirty="0"/>
-              <a:t>Second level</a:t>
-            </a:r>
-          </a:p>
-          <a:p>
-            <a:pPr lvl="2"/>
-            <a:r>
-              <a:rPr lang="en-US" dirty="0"/>
-              <a:t>Third level</a:t>
-            </a:r>
-          </a:p>
-        </p:txBody>
-      </p:sp>
-      <p:sp>
-        <p:nvSpPr>
-          <p:cNvPr id="2" name="Title"/>
-          <p:cNvSpPr>
-            <a:spLocks noGrp="1"/>
-          </p:cNvSpPr>
-          <p:nvPr>
-            <p:ph type="title"/>
-          </p:nvPr>
-        </p:nvSpPr>
-        <p:spPr bwMode="gray"/>
-        <p:txBody>
-          <a:bodyPr/>
-          <a:lstStyle/>
-          <a:p>
-            <a:r>
-              <a:rPr lang="en-US" dirty="0"/>
-              <a:t>Insert page title (sentence case)</a:t>
-            </a:r>
-          </a:p>
-        </p:txBody>
-      </p:sp>
-    </p:spTree>
-    <p:extLst>
-      <p:ext uri="{BB962C8B-B14F-4D97-AF65-F5344CB8AC3E}">
-        <p14:creationId xmlns:p14="http://schemas.microsoft.com/office/powerpoint/2010/main" val="2468716513"/>
-      </p:ext>
-    </p:extLst>
-  </p:cSld>
-  <p:clrMapOvr>
-    <a:masterClrMapping/>
-  </p:clrMapOvr>
-</p:sld>
-</file>
-
-<file path=ppt/slides/slide17.xml><?xml version="1.0" encoding="utf-8"?>
-<p:sld xmlns:a="http://schemas.openxmlformats.org/drawingml/2006/main" xmlns:r="http://schemas.openxmlformats.org/officeDocument/2006/relationships" xmlns:p="http://schemas.openxmlformats.org/presentationml/2006/main">
-  <p:cSld>
-    <p:spTree>
-      <p:nvGrpSpPr>
-        <p:cNvPr id="1" name=""/>
-        <p:cNvGrpSpPr/>
-        <p:nvPr/>
-      </p:nvGrpSpPr>
-      <p:grpSpPr>
-        <a:xfrm>
-          <a:off x="0" y="0"/>
-          <a:ext cx="0" cy="0"/>
-          <a:chOff x="0" y="0"/>
-          <a:chExt cx="0" cy="0"/>
-        </a:xfrm>
-      </p:grpSpPr>
-      <p:sp>
-        <p:nvSpPr>
-          <p:cNvPr id="6" name="Picture Placeholder" descr="Placeholder for an image" title="Image placeholder content slide"/>
-          <p:cNvSpPr>
-            <a:spLocks noGrp="1"/>
-          </p:cNvSpPr>
-          <p:nvPr>
-            <p:ph type="pic" sz="quarter" idx="10"/>
-          </p:nvPr>
-        </p:nvSpPr>
-        <p:spPr bwMode="gray"/>
-      </p:sp>
-      <p:sp>
-        <p:nvSpPr>
-          <p:cNvPr id="4" name="Text Placeholder"/>
-          <p:cNvSpPr>
-            <a:spLocks noGrp="1"/>
-          </p:cNvSpPr>
-          <p:nvPr>
-            <p:ph type="body" sz="quarter" idx="11"/>
-          </p:nvPr>
-        </p:nvSpPr>
-        <p:spPr bwMode="gray"/>
-        <p:txBody>
-          <a:bodyPr/>
-          <a:lstStyle/>
-          <a:p>
-            <a:pPr lvl="0"/>
-            <a:r>
-              <a:rPr lang="en-US"/>
-              <a:t>First level</a:t>
-            </a:r>
-          </a:p>
-          <a:p>
-            <a:pPr lvl="1"/>
-            <a:r>
-              <a:rPr lang="en-US"/>
-              <a:t>Second level</a:t>
-            </a:r>
-          </a:p>
-          <a:p>
-            <a:pPr lvl="2"/>
-            <a:r>
-              <a:rPr lang="en-US"/>
-              <a:t>Third level</a:t>
-            </a:r>
-            <a:endParaRPr lang="en-US" dirty="0"/>
-          </a:p>
-        </p:txBody>
-      </p:sp>
-      <p:sp>
-        <p:nvSpPr>
-          <p:cNvPr id="2" name="Title"/>
-          <p:cNvSpPr>
-            <a:spLocks noGrp="1"/>
-          </p:cNvSpPr>
-          <p:nvPr>
-            <p:ph type="title"/>
-          </p:nvPr>
-        </p:nvSpPr>
-        <p:spPr bwMode="gray"/>
-        <p:txBody>
-          <a:bodyPr/>
-          <a:lstStyle/>
-          <a:p>
-            <a:r>
-              <a:rPr lang="en-US" dirty="0"/>
-              <a:t>Insert page title (sentence case)</a:t>
-            </a:r>
-          </a:p>
-        </p:txBody>
-      </p:sp>
-    </p:spTree>
-    <p:extLst>
-      <p:ext uri="{BB962C8B-B14F-4D97-AF65-F5344CB8AC3E}">
-        <p14:creationId xmlns:p14="http://schemas.microsoft.com/office/powerpoint/2010/main" val="4154867534"/>
-      </p:ext>
-    </p:extLst>
-  </p:cSld>
-  <p:clrMapOvr>
-    <a:masterClrMapping/>
-  </p:clrMapOvr>
-</p:sld>
-</file>
-
-<file path=ppt/slides/slide18.xml><?xml version="1.0" encoding="utf-8"?>
-<p:sld xmlns:a="http://schemas.openxmlformats.org/drawingml/2006/main" xmlns:r="http://schemas.openxmlformats.org/officeDocument/2006/relationships" xmlns:p="http://schemas.openxmlformats.org/presentationml/2006/main">
-  <p:cSld>
-    <p:spTree>
-      <p:nvGrpSpPr>
-        <p:cNvPr id="1" name=""/>
-        <p:cNvGrpSpPr/>
-        <p:nvPr/>
-      </p:nvGrpSpPr>
-      <p:grpSpPr>
-        <a:xfrm>
-          <a:off x="0" y="0"/>
-          <a:ext cx="0" cy="0"/>
-          <a:chOff x="0" y="0"/>
-          <a:chExt cx="0" cy="0"/>
-        </a:xfrm>
-      </p:grpSpPr>
-      <p:sp>
-        <p:nvSpPr>
-          <p:cNvPr id="8" name="Picture Placeholder 7" descr="Image Placeholder" title="Image Placeholder"/>
-          <p:cNvSpPr>
-            <a:spLocks noGrp="1"/>
-          </p:cNvSpPr>
-          <p:nvPr>
-            <p:ph type="pic" sz="quarter" idx="10"/>
-          </p:nvPr>
-        </p:nvSpPr>
-        <p:spPr bwMode="gray"/>
-      </p:sp>
-    </p:spTree>
-    <p:extLst>
-      <p:ext uri="{BB962C8B-B14F-4D97-AF65-F5344CB8AC3E}">
-        <p14:creationId xmlns:p14="http://schemas.microsoft.com/office/powerpoint/2010/main" val="1840057824"/>
-      </p:ext>
-    </p:extLst>
-  </p:cSld>
-  <p:clrMapOvr>
-    <a:masterClrMapping/>
-  </p:clrMapOvr>
-</p:sld>
-</file>
-
-<file path=ppt/slides/slide19.xml><?xml version="1.0" encoding="utf-8"?>
-<p:sld xmlns:a="http://schemas.openxmlformats.org/drawingml/2006/main" xmlns:r="http://schemas.openxmlformats.org/officeDocument/2006/relationships" xmlns:p="http://schemas.openxmlformats.org/presentationml/2006/main">
-  <p:cSld>
-    <p:spTree>
-      <p:nvGrpSpPr>
-        <p:cNvPr id="1" name=""/>
-        <p:cNvGrpSpPr/>
-        <p:nvPr/>
-      </p:nvGrpSpPr>
-      <p:grpSpPr>
-        <a:xfrm>
-          <a:off x="0" y="0"/>
-          <a:ext cx="0" cy="0"/>
-          <a:chOff x="0" y="0"/>
-          <a:chExt cx="0" cy="0"/>
-        </a:xfrm>
-      </p:grpSpPr>
-      <p:sp>
-        <p:nvSpPr>
-          <p:cNvPr id="9" name="Text Placeholder column 2"/>
-          <p:cNvSpPr>
-            <a:spLocks noGrp="1"/>
-          </p:cNvSpPr>
-          <p:nvPr>
-            <p:ph type="body" sz="quarter" idx="11"/>
-          </p:nvPr>
-        </p:nvSpPr>
-        <p:spPr bwMode="gray"/>
-        <p:txBody>
-          <a:bodyPr/>
-          <a:lstStyle/>
-          <a:p>
-            <a:pPr lvl="0"/>
-            <a:r>
-              <a:rPr lang="en-US"/>
-              <a:t>First level</a:t>
-            </a:r>
-          </a:p>
-          <a:p>
-            <a:pPr lvl="1"/>
-            <a:r>
-              <a:rPr lang="en-US"/>
-              <a:t>Second level</a:t>
-            </a:r>
-          </a:p>
-          <a:p>
-            <a:pPr lvl="2"/>
-            <a:r>
-              <a:rPr lang="en-US"/>
-              <a:t>Third level</a:t>
-            </a:r>
-            <a:endParaRPr lang="en-US" dirty="0"/>
-          </a:p>
-        </p:txBody>
-      </p:sp>
-      <p:sp>
-        <p:nvSpPr>
-          <p:cNvPr id="8" name="Text Placeholder column 1"/>
-          <p:cNvSpPr>
-            <a:spLocks noGrp="1"/>
-          </p:cNvSpPr>
-          <p:nvPr>
-            <p:ph type="body" sz="quarter" idx="10"/>
-          </p:nvPr>
-        </p:nvSpPr>
-        <p:spPr bwMode="gray"/>
-        <p:txBody>
-          <a:bodyPr/>
-          <a:lstStyle/>
-          <a:p>
-            <a:pPr lvl="0"/>
-            <a:r>
-              <a:rPr lang="en-US"/>
-              <a:t>First level</a:t>
-            </a:r>
-          </a:p>
-          <a:p>
-            <a:pPr lvl="1"/>
-            <a:r>
-              <a:rPr lang="en-US"/>
-              <a:t>Second level</a:t>
-            </a:r>
-          </a:p>
-          <a:p>
-            <a:pPr lvl="2"/>
-            <a:r>
-              <a:rPr lang="en-US"/>
-              <a:t>Third level</a:t>
-            </a:r>
-            <a:endParaRPr lang="en-US" dirty="0"/>
-          </a:p>
-        </p:txBody>
-      </p:sp>
-      <p:sp>
-        <p:nvSpPr>
-          <p:cNvPr id="7" name="Title"/>
-          <p:cNvSpPr>
-            <a:spLocks noGrp="1"/>
-          </p:cNvSpPr>
-          <p:nvPr>
-            <p:ph type="title"/>
-          </p:nvPr>
-        </p:nvSpPr>
-        <p:spPr bwMode="gray"/>
-        <p:txBody>
-          <a:bodyPr/>
-          <a:lstStyle/>
-          <a:p>
-            <a:r>
-              <a:rPr lang="en-US" dirty="0"/>
-              <a:t>Insert page title (sentence case)</a:t>
-            </a:r>
-          </a:p>
-        </p:txBody>
-      </p:sp>
-    </p:spTree>
-    <p:extLst>
-      <p:ext uri="{BB962C8B-B14F-4D97-AF65-F5344CB8AC3E}">
-        <p14:creationId xmlns:p14="http://schemas.microsoft.com/office/powerpoint/2010/main" val="854015491"/>
-      </p:ext>
-    </p:extLst>
-  </p:cSld>
-  <p:clrMapOvr>
-    <a:masterClrMapping/>
-  </p:clrMapOvr>
+  <p:transition spd="med"/>
 </p:sld>
 </file>
 
@@ -9621,701 +8820,6 @@
         </p:txBody>
       </p:sp>
     </p:spTree>
-  </p:cSld>
-  <p:clrMapOvr>
-    <a:masterClrMapping/>
-  </p:clrMapOvr>
-</p:sld>
-</file>
-
-<file path=ppt/slides/slide20.xml><?xml version="1.0" encoding="utf-8"?>
-<p:sld xmlns:a="http://schemas.openxmlformats.org/drawingml/2006/main" xmlns:r="http://schemas.openxmlformats.org/officeDocument/2006/relationships" xmlns:p="http://schemas.openxmlformats.org/presentationml/2006/main">
-  <p:cSld>
-    <p:spTree>
-      <p:nvGrpSpPr>
-        <p:cNvPr id="1" name=""/>
-        <p:cNvGrpSpPr/>
-        <p:nvPr/>
-      </p:nvGrpSpPr>
-      <p:grpSpPr>
-        <a:xfrm>
-          <a:off x="0" y="0"/>
-          <a:ext cx="0" cy="0"/>
-          <a:chOff x="0" y="0"/>
-          <a:chExt cx="0" cy="0"/>
-        </a:xfrm>
-      </p:grpSpPr>
-      <p:sp>
-        <p:nvSpPr>
-          <p:cNvPr id="5" name="Text Placeholder column 3"/>
-          <p:cNvSpPr>
-            <a:spLocks noGrp="1"/>
-          </p:cNvSpPr>
-          <p:nvPr>
-            <p:ph type="body" sz="quarter" idx="13"/>
-          </p:nvPr>
-        </p:nvSpPr>
-        <p:spPr bwMode="gray"/>
-        <p:txBody>
-          <a:bodyPr/>
-          <a:lstStyle/>
-          <a:p>
-            <a:pPr lvl="0"/>
-            <a:r>
-              <a:rPr lang="en-US"/>
-              <a:t>First level</a:t>
-            </a:r>
-          </a:p>
-          <a:p>
-            <a:pPr lvl="1"/>
-            <a:r>
-              <a:rPr lang="en-US"/>
-              <a:t>Second level</a:t>
-            </a:r>
-          </a:p>
-          <a:p>
-            <a:pPr lvl="2"/>
-            <a:r>
-              <a:rPr lang="en-US"/>
-              <a:t>Third level</a:t>
-            </a:r>
-            <a:endParaRPr lang="en-US" dirty="0"/>
-          </a:p>
-        </p:txBody>
-      </p:sp>
-      <p:sp>
-        <p:nvSpPr>
-          <p:cNvPr id="4" name="Text Placeholder column 2"/>
-          <p:cNvSpPr>
-            <a:spLocks noGrp="1"/>
-          </p:cNvSpPr>
-          <p:nvPr>
-            <p:ph type="body" sz="quarter" idx="12"/>
-          </p:nvPr>
-        </p:nvSpPr>
-        <p:spPr bwMode="gray"/>
-        <p:txBody>
-          <a:bodyPr/>
-          <a:lstStyle/>
-          <a:p>
-            <a:pPr lvl="0"/>
-            <a:r>
-              <a:rPr lang="en-US"/>
-              <a:t>First level</a:t>
-            </a:r>
-          </a:p>
-          <a:p>
-            <a:pPr lvl="1"/>
-            <a:r>
-              <a:rPr lang="en-US"/>
-              <a:t>Second level</a:t>
-            </a:r>
-          </a:p>
-          <a:p>
-            <a:pPr lvl="2"/>
-            <a:r>
-              <a:rPr lang="en-US"/>
-              <a:t>Third level</a:t>
-            </a:r>
-            <a:endParaRPr lang="en-US" dirty="0"/>
-          </a:p>
-        </p:txBody>
-      </p:sp>
-      <p:sp>
-        <p:nvSpPr>
-          <p:cNvPr id="3" name="Text Placeholder column 1"/>
-          <p:cNvSpPr>
-            <a:spLocks noGrp="1"/>
-          </p:cNvSpPr>
-          <p:nvPr>
-            <p:ph type="body" sz="quarter" idx="10"/>
-          </p:nvPr>
-        </p:nvSpPr>
-        <p:spPr bwMode="gray"/>
-        <p:txBody>
-          <a:bodyPr/>
-          <a:lstStyle/>
-          <a:p>
-            <a:pPr lvl="0"/>
-            <a:r>
-              <a:rPr lang="en-US" dirty="0"/>
-              <a:t>First level</a:t>
-            </a:r>
-          </a:p>
-          <a:p>
-            <a:pPr lvl="1"/>
-            <a:r>
-              <a:rPr lang="en-US" dirty="0"/>
-              <a:t>Second level</a:t>
-            </a:r>
-          </a:p>
-          <a:p>
-            <a:pPr lvl="2"/>
-            <a:r>
-              <a:rPr lang="en-US" dirty="0"/>
-              <a:t>Third level</a:t>
-            </a:r>
-          </a:p>
-        </p:txBody>
-      </p:sp>
-      <p:sp>
-        <p:nvSpPr>
-          <p:cNvPr id="2" name="Title"/>
-          <p:cNvSpPr>
-            <a:spLocks noGrp="1"/>
-          </p:cNvSpPr>
-          <p:nvPr>
-            <p:ph type="title"/>
-          </p:nvPr>
-        </p:nvSpPr>
-        <p:spPr bwMode="gray"/>
-        <p:txBody>
-          <a:bodyPr/>
-          <a:lstStyle/>
-          <a:p>
-            <a:r>
-              <a:rPr lang="en-US" dirty="0"/>
-              <a:t>Insert page title (sentence case)</a:t>
-            </a:r>
-          </a:p>
-        </p:txBody>
-      </p:sp>
-    </p:spTree>
-    <p:extLst>
-      <p:ext uri="{BB962C8B-B14F-4D97-AF65-F5344CB8AC3E}">
-        <p14:creationId xmlns:p14="http://schemas.microsoft.com/office/powerpoint/2010/main" val="94846162"/>
-      </p:ext>
-    </p:extLst>
-  </p:cSld>
-  <p:clrMapOvr>
-    <a:masterClrMapping/>
-  </p:clrMapOvr>
-</p:sld>
-</file>
-
-<file path=ppt/slides/slide21.xml><?xml version="1.0" encoding="utf-8"?>
-<p:sld xmlns:a="http://schemas.openxmlformats.org/drawingml/2006/main" xmlns:r="http://schemas.openxmlformats.org/officeDocument/2006/relationships" xmlns:p="http://schemas.openxmlformats.org/presentationml/2006/main">
-  <p:cSld>
-    <p:spTree>
-      <p:nvGrpSpPr>
-        <p:cNvPr id="1" name=""/>
-        <p:cNvGrpSpPr/>
-        <p:nvPr/>
-      </p:nvGrpSpPr>
-      <p:grpSpPr>
-        <a:xfrm>
-          <a:off x="0" y="0"/>
-          <a:ext cx="0" cy="0"/>
-          <a:chOff x="0" y="0"/>
-          <a:chExt cx="0" cy="0"/>
-        </a:xfrm>
-      </p:grpSpPr>
-      <p:sp>
-        <p:nvSpPr>
-          <p:cNvPr id="10" name="Text Placeholder column 2"/>
-          <p:cNvSpPr>
-            <a:spLocks noGrp="1"/>
-          </p:cNvSpPr>
-          <p:nvPr>
-            <p:ph type="body" sz="quarter" idx="13"/>
-          </p:nvPr>
-        </p:nvSpPr>
-        <p:spPr bwMode="gray"/>
-        <p:txBody>
-          <a:bodyPr/>
-          <a:lstStyle/>
-          <a:p>
-            <a:pPr lvl="0"/>
-            <a:r>
-              <a:rPr lang="en-US" dirty="0"/>
-              <a:t>First level</a:t>
-            </a:r>
-          </a:p>
-          <a:p>
-            <a:pPr lvl="1"/>
-            <a:r>
-              <a:rPr lang="en-US" dirty="0"/>
-              <a:t>Second level</a:t>
-            </a:r>
-          </a:p>
-        </p:txBody>
-      </p:sp>
-      <p:sp>
-        <p:nvSpPr>
-          <p:cNvPr id="16" name="Picture Placeholder 2" descr="Image placeholder right" title="Image placeholder"/>
-          <p:cNvSpPr>
-            <a:spLocks noGrp="1"/>
-          </p:cNvSpPr>
-          <p:nvPr>
-            <p:ph type="pic" sz="quarter" idx="14"/>
-          </p:nvPr>
-        </p:nvSpPr>
-        <p:spPr bwMode="gray"/>
-      </p:sp>
-      <p:sp>
-        <p:nvSpPr>
-          <p:cNvPr id="3" name="Text Placeholder column 1"/>
-          <p:cNvSpPr>
-            <a:spLocks noGrp="1"/>
-          </p:cNvSpPr>
-          <p:nvPr>
-            <p:ph type="body" sz="quarter" idx="10"/>
-          </p:nvPr>
-        </p:nvSpPr>
-        <p:spPr bwMode="gray"/>
-        <p:txBody>
-          <a:bodyPr/>
-          <a:lstStyle/>
-          <a:p>
-            <a:pPr lvl="0"/>
-            <a:r>
-              <a:rPr lang="en-US" dirty="0"/>
-              <a:t>First level</a:t>
-            </a:r>
-          </a:p>
-          <a:p>
-            <a:pPr lvl="1"/>
-            <a:r>
-              <a:rPr lang="en-US" dirty="0"/>
-              <a:t>Second level</a:t>
-            </a:r>
-          </a:p>
-        </p:txBody>
-      </p:sp>
-      <p:sp>
-        <p:nvSpPr>
-          <p:cNvPr id="15" name="Picture Placeholder 1" descr="Image placeholder left" title="Image placeholde"/>
-          <p:cNvSpPr>
-            <a:spLocks noGrp="1"/>
-          </p:cNvSpPr>
-          <p:nvPr>
-            <p:ph type="pic" sz="quarter" idx="12"/>
-          </p:nvPr>
-        </p:nvSpPr>
-        <p:spPr bwMode="gray"/>
-      </p:sp>
-      <p:sp>
-        <p:nvSpPr>
-          <p:cNvPr id="8" name="Title"/>
-          <p:cNvSpPr>
-            <a:spLocks noGrp="1"/>
-          </p:cNvSpPr>
-          <p:nvPr>
-            <p:ph type="title"/>
-          </p:nvPr>
-        </p:nvSpPr>
-        <p:spPr bwMode="gray"/>
-        <p:txBody>
-          <a:bodyPr/>
-          <a:lstStyle/>
-          <a:p>
-            <a:r>
-              <a:rPr lang="en-US" dirty="0"/>
-              <a:t>Insert page title (sentence case)</a:t>
-            </a:r>
-          </a:p>
-        </p:txBody>
-      </p:sp>
-    </p:spTree>
-    <p:extLst>
-      <p:ext uri="{BB962C8B-B14F-4D97-AF65-F5344CB8AC3E}">
-        <p14:creationId xmlns:p14="http://schemas.microsoft.com/office/powerpoint/2010/main" val="1504049518"/>
-      </p:ext>
-    </p:extLst>
-  </p:cSld>
-  <p:clrMapOvr>
-    <a:masterClrMapping/>
-  </p:clrMapOvr>
-</p:sld>
-</file>
-
-<file path=ppt/slides/slide22.xml><?xml version="1.0" encoding="utf-8"?>
-<p:sld xmlns:a="http://schemas.openxmlformats.org/drawingml/2006/main" xmlns:r="http://schemas.openxmlformats.org/officeDocument/2006/relationships" xmlns:p="http://schemas.openxmlformats.org/presentationml/2006/main">
-  <p:cSld>
-    <p:spTree>
-      <p:nvGrpSpPr>
-        <p:cNvPr id="1" name=""/>
-        <p:cNvGrpSpPr/>
-        <p:nvPr/>
-      </p:nvGrpSpPr>
-      <p:grpSpPr>
-        <a:xfrm>
-          <a:off x="0" y="0"/>
-          <a:ext cx="0" cy="0"/>
-          <a:chOff x="0" y="0"/>
-          <a:chExt cx="0" cy="0"/>
-        </a:xfrm>
-      </p:grpSpPr>
-      <p:sp>
-        <p:nvSpPr>
-          <p:cNvPr id="12" name="Text Placeholder column 3"/>
-          <p:cNvSpPr>
-            <a:spLocks noGrp="1"/>
-          </p:cNvSpPr>
-          <p:nvPr>
-            <p:ph type="body" sz="quarter" idx="13"/>
-          </p:nvPr>
-        </p:nvSpPr>
-        <p:spPr bwMode="gray"/>
-        <p:txBody>
-          <a:bodyPr/>
-          <a:lstStyle/>
-          <a:p>
-            <a:pPr lvl="0"/>
-            <a:r>
-              <a:rPr lang="en-US" dirty="0"/>
-              <a:t>First level</a:t>
-            </a:r>
-          </a:p>
-          <a:p>
-            <a:pPr lvl="1"/>
-            <a:r>
-              <a:rPr lang="en-US" dirty="0"/>
-              <a:t>Second level</a:t>
-            </a:r>
-          </a:p>
-        </p:txBody>
-      </p:sp>
-      <p:sp>
-        <p:nvSpPr>
-          <p:cNvPr id="13" name="Picture Placeholder 3" descr="Image placeholder 3/3" title="Image placeholder 3/3"/>
-          <p:cNvSpPr>
-            <a:spLocks noGrp="1"/>
-          </p:cNvSpPr>
-          <p:nvPr>
-            <p:ph type="pic" sz="quarter" idx="14"/>
-          </p:nvPr>
-        </p:nvSpPr>
-        <p:spPr bwMode="gray"/>
-      </p:sp>
-      <p:sp>
-        <p:nvSpPr>
-          <p:cNvPr id="14" name="Text Placeholder column 2"/>
-          <p:cNvSpPr>
-            <a:spLocks noGrp="1"/>
-          </p:cNvSpPr>
-          <p:nvPr>
-            <p:ph type="body" sz="quarter" idx="15"/>
-          </p:nvPr>
-        </p:nvSpPr>
-        <p:spPr bwMode="gray"/>
-        <p:txBody>
-          <a:bodyPr/>
-          <a:lstStyle/>
-          <a:p>
-            <a:pPr lvl="0"/>
-            <a:r>
-              <a:rPr lang="en-US" dirty="0"/>
-              <a:t>First level</a:t>
-            </a:r>
-          </a:p>
-          <a:p>
-            <a:pPr lvl="1"/>
-            <a:r>
-              <a:rPr lang="en-US" dirty="0"/>
-              <a:t>Second level</a:t>
-            </a:r>
-          </a:p>
-        </p:txBody>
-      </p:sp>
-      <p:sp>
-        <p:nvSpPr>
-          <p:cNvPr id="15" name="Picture Placeholder 2" descr="Image placeholder 2/3" title="Image placeholder 2/3"/>
-          <p:cNvSpPr>
-            <a:spLocks noGrp="1"/>
-          </p:cNvSpPr>
-          <p:nvPr>
-            <p:ph type="pic" sz="quarter" idx="16"/>
-          </p:nvPr>
-        </p:nvSpPr>
-        <p:spPr bwMode="gray"/>
-      </p:sp>
-      <p:sp>
-        <p:nvSpPr>
-          <p:cNvPr id="10" name="Text Placeholder column 1"/>
-          <p:cNvSpPr>
-            <a:spLocks noGrp="1"/>
-          </p:cNvSpPr>
-          <p:nvPr>
-            <p:ph type="body" sz="quarter" idx="10"/>
-          </p:nvPr>
-        </p:nvSpPr>
-        <p:spPr bwMode="gray"/>
-        <p:txBody>
-          <a:bodyPr/>
-          <a:lstStyle/>
-          <a:p>
-            <a:pPr lvl="0"/>
-            <a:r>
-              <a:rPr lang="en-US" dirty="0"/>
-              <a:t>First level</a:t>
-            </a:r>
-          </a:p>
-          <a:p>
-            <a:pPr lvl="1"/>
-            <a:r>
-              <a:rPr lang="en-US" dirty="0"/>
-              <a:t>Second level</a:t>
-            </a:r>
-          </a:p>
-        </p:txBody>
-      </p:sp>
-      <p:sp>
-        <p:nvSpPr>
-          <p:cNvPr id="11" name="Picture Placeholder 1" descr="Image placeholder 1/3" title="Image placeholder 1/3"/>
-          <p:cNvSpPr>
-            <a:spLocks noGrp="1"/>
-          </p:cNvSpPr>
-          <p:nvPr>
-            <p:ph type="pic" sz="quarter" idx="12"/>
-          </p:nvPr>
-        </p:nvSpPr>
-        <p:spPr bwMode="gray"/>
-      </p:sp>
-      <p:sp>
-        <p:nvSpPr>
-          <p:cNvPr id="2" name="Title"/>
-          <p:cNvSpPr>
-            <a:spLocks noGrp="1"/>
-          </p:cNvSpPr>
-          <p:nvPr>
-            <p:ph type="title"/>
-          </p:nvPr>
-        </p:nvSpPr>
-        <p:spPr bwMode="gray"/>
-        <p:txBody>
-          <a:bodyPr/>
-          <a:lstStyle/>
-          <a:p>
-            <a:r>
-              <a:rPr lang="en-US" dirty="0"/>
-              <a:t>Insert page title (sentence case)</a:t>
-            </a:r>
-          </a:p>
-        </p:txBody>
-      </p:sp>
-    </p:spTree>
-    <p:extLst>
-      <p:ext uri="{BB962C8B-B14F-4D97-AF65-F5344CB8AC3E}">
-        <p14:creationId xmlns:p14="http://schemas.microsoft.com/office/powerpoint/2010/main" val="1175416068"/>
-      </p:ext>
-    </p:extLst>
-  </p:cSld>
-  <p:clrMapOvr>
-    <a:masterClrMapping/>
-  </p:clrMapOvr>
-</p:sld>
-</file>
-
-<file path=ppt/slides/slide23.xml><?xml version="1.0" encoding="utf-8"?>
-<p:sld xmlns:a="http://schemas.openxmlformats.org/drawingml/2006/main" xmlns:r="http://schemas.openxmlformats.org/officeDocument/2006/relationships" xmlns:p="http://schemas.openxmlformats.org/presentationml/2006/main">
-  <p:cSld>
-    <p:spTree>
-      <p:nvGrpSpPr>
-        <p:cNvPr id="1" name=""/>
-        <p:cNvGrpSpPr/>
-        <p:nvPr/>
-      </p:nvGrpSpPr>
-      <p:grpSpPr>
-        <a:xfrm>
-          <a:off x="0" y="0"/>
-          <a:ext cx="0" cy="0"/>
-          <a:chOff x="0" y="0"/>
-          <a:chExt cx="0" cy="0"/>
-        </a:xfrm>
-      </p:grpSpPr>
-      <p:sp>
-        <p:nvSpPr>
-          <p:cNvPr id="4" name="Placeholder Partner logo"/>
-          <p:cNvSpPr/>
-          <p:nvPr/>
-        </p:nvSpPr>
-        <p:spPr bwMode="gray">
-          <a:xfrm>
-            <a:off x="504000" y="5944029"/>
-            <a:ext cx="944661" cy="402796"/>
-          </a:xfrm>
-          <a:prstGeom prst="rect">
-            <a:avLst/>
-          </a:prstGeom>
-          <a:solidFill>
-            <a:schemeClr val="bg2"/>
-          </a:solidFill>
-          <a:ln w="6350" algn="ctr">
-            <a:noFill/>
-            <a:miter lim="800000"/>
-            <a:headEnd/>
-            <a:tailEnd/>
-          </a:ln>
-        </p:spPr>
-        <p:txBody>
-          <a:bodyPr lIns="89979" tIns="71983" rIns="89979" bIns="71983" rtlCol="0" anchor="ctr"/>
-          <a:lstStyle/>
-          <a:p>
-            <a:pPr algn="ctr" defTabSz="914217" fontAlgn="base">
-              <a:spcBef>
-                <a:spcPct val="50000"/>
-              </a:spcBef>
-              <a:spcAft>
-                <a:spcPct val="0"/>
-              </a:spcAft>
-              <a:buClr>
-                <a:srgbClr val="F0AB00"/>
-              </a:buClr>
-              <a:buSzPct val="80000"/>
-            </a:pPr>
-            <a:r>
-              <a:rPr lang="en-US" sz="1100" kern="0" dirty="0">
-                <a:solidFill>
-                  <a:sysClr val="windowText" lastClr="000000"/>
-                </a:solidFill>
-                <a:ea typeface="Arial Unicode MS" pitchFamily="34" charset="-128"/>
-                <a:cs typeface="Arial Unicode MS" pitchFamily="34" charset="-128"/>
-              </a:rPr>
-              <a:t>Partner logo</a:t>
-            </a:r>
-          </a:p>
-        </p:txBody>
-      </p:sp>
-      <p:sp>
-        <p:nvSpPr>
-          <p:cNvPr id="3" name="Contact information"/>
-          <p:cNvSpPr>
-            <a:spLocks noGrp="1"/>
-          </p:cNvSpPr>
-          <p:nvPr>
-            <p:ph type="body" sz="quarter" idx="10"/>
-          </p:nvPr>
-        </p:nvSpPr>
-        <p:spPr bwMode="gray">
-          <a:xfrm>
-            <a:off x="504000" y="2905487"/>
-            <a:ext cx="5593588" cy="2501010"/>
-          </a:xfrm>
-        </p:spPr>
-        <p:txBody>
-          <a:bodyPr/>
-          <a:lstStyle/>
-          <a:p>
-            <a:r>
-              <a:rPr lang="en-US" dirty="0"/>
-              <a:t>Contact information:</a:t>
-            </a:r>
-          </a:p>
-          <a:p>
-            <a:pPr lvl="1"/>
-            <a:r>
-              <a:rPr lang="en-US" b="1" dirty="0"/>
-              <a:t>F name L name</a:t>
-            </a:r>
-          </a:p>
-          <a:p>
-            <a:pPr lvl="1"/>
-            <a:r>
-              <a:rPr lang="en-US" dirty="0"/>
-              <a:t>Title</a:t>
-            </a:r>
-          </a:p>
-          <a:p>
-            <a:pPr lvl="1"/>
-            <a:r>
-              <a:rPr lang="en-US" dirty="0"/>
-              <a:t>Address</a:t>
-            </a:r>
-          </a:p>
-          <a:p>
-            <a:pPr lvl="1"/>
-            <a:r>
-              <a:rPr lang="en-US" dirty="0"/>
-              <a:t>Phone number</a:t>
-            </a:r>
-          </a:p>
-        </p:txBody>
-      </p:sp>
-      <p:sp>
-        <p:nvSpPr>
-          <p:cNvPr id="2" name="Thank you"/>
-          <p:cNvSpPr>
-            <a:spLocks noGrp="1"/>
-          </p:cNvSpPr>
-          <p:nvPr>
-            <p:ph type="ctrTitle"/>
-          </p:nvPr>
-        </p:nvSpPr>
-        <p:spPr bwMode="gray"/>
-        <p:txBody>
-          <a:bodyPr/>
-          <a:lstStyle/>
-          <a:p>
-            <a:r>
-              <a:rPr lang="en-US" dirty="0"/>
-              <a:t>Thank you.</a:t>
-            </a:r>
-          </a:p>
-        </p:txBody>
-      </p:sp>
-    </p:spTree>
-    <p:extLst>
-      <p:ext uri="{BB962C8B-B14F-4D97-AF65-F5344CB8AC3E}">
-        <p14:creationId xmlns:p14="http://schemas.microsoft.com/office/powerpoint/2010/main" val="1881851238"/>
-      </p:ext>
-    </p:extLst>
-  </p:cSld>
-  <p:clrMapOvr>
-    <a:masterClrMapping/>
-  </p:clrMapOvr>
-</p:sld>
-</file>
-
-<file path=ppt/slides/slide24.xml><?xml version="1.0" encoding="utf-8"?>
-<p:sld xmlns:a="http://schemas.openxmlformats.org/drawingml/2006/main" xmlns:r="http://schemas.openxmlformats.org/officeDocument/2006/relationships" xmlns:p="http://schemas.openxmlformats.org/presentationml/2006/main" show="0">
-  <p:cSld>
-    <p:spTree>
-      <p:nvGrpSpPr>
-        <p:cNvPr id="1" name=""/>
-        <p:cNvGrpSpPr/>
-        <p:nvPr/>
-      </p:nvGrpSpPr>
-      <p:grpSpPr>
-        <a:xfrm>
-          <a:off x="0" y="0"/>
-          <a:ext cx="0" cy="0"/>
-          <a:chOff x="0" y="0"/>
-          <a:chExt cx="0" cy="0"/>
-        </a:xfrm>
-      </p:grpSpPr>
-    </p:spTree>
-  </p:cSld>
-  <p:clrMapOvr>
-    <a:masterClrMapping/>
-  </p:clrMapOvr>
-  <p:transition spd="med"/>
-</p:sld>
-</file>
-
-<file path=ppt/slides/slide25.xml><?xml version="1.0" encoding="utf-8"?>
-<p:sld xmlns:a="http://schemas.openxmlformats.org/drawingml/2006/main" xmlns:r="http://schemas.openxmlformats.org/officeDocument/2006/relationships" xmlns:p="http://schemas.openxmlformats.org/presentationml/2006/main" show="0">
-  <p:cSld>
-    <p:spTree>
-      <p:nvGrpSpPr>
-        <p:cNvPr id="1" name=""/>
-        <p:cNvGrpSpPr/>
-        <p:nvPr/>
-      </p:nvGrpSpPr>
-      <p:grpSpPr>
-        <a:xfrm>
-          <a:off x="0" y="0"/>
-          <a:ext cx="0" cy="0"/>
-          <a:chOff x="0" y="0"/>
-          <a:chExt cx="0" cy="0"/>
-        </a:xfrm>
-      </p:grpSpPr>
-    </p:spTree>
-    <p:extLst>
-      <p:ext uri="{BB962C8B-B14F-4D97-AF65-F5344CB8AC3E}">
-        <p14:creationId xmlns:p14="http://schemas.microsoft.com/office/powerpoint/2010/main" val="3005185487"/>
-      </p:ext>
-    </p:extLst>
   </p:cSld>
   <p:clrMapOvr>
     <a:masterClrMapping/>
@@ -11538,55 +10042,33 @@
       </p:grpSpPr>
       <p:sp>
         <p:nvSpPr>
-          <p:cNvPr id="24" name="Title"/>
-          <p:cNvSpPr>
-            <a:spLocks noGrp="1"/>
-          </p:cNvSpPr>
-          <p:nvPr>
-            <p:ph type="title"/>
-          </p:nvPr>
-        </p:nvSpPr>
-        <p:spPr bwMode="gray"/>
-        <p:txBody>
-          <a:bodyPr/>
-          <a:lstStyle/>
-          <a:p>
-            <a:r>
-              <a:rPr lang="en-US" dirty="0"/>
-              <a:t>Insert page title (sentence case)</a:t>
-            </a:r>
-          </a:p>
-        </p:txBody>
-      </p:sp>
-      <p:sp>
-        <p:nvSpPr>
-          <p:cNvPr id="4" name="文本框 3">
-            <a:extLst>
-              <a:ext uri="{FF2B5EF4-FFF2-40B4-BE49-F238E27FC236}">
-                <a16:creationId xmlns:a16="http://schemas.microsoft.com/office/drawing/2014/main" id="{A175CD46-A09E-4212-996D-8BBF6F36A238}"/>
-              </a:ext>
-            </a:extLst>
-          </p:cNvPr>
-          <p:cNvSpPr txBox="1"/>
+          <p:cNvPr id="4" name="Placeholder Partner logo"/>
+          <p:cNvSpPr/>
           <p:nvPr/>
         </p:nvSpPr>
-        <p:spPr>
-          <a:xfrm>
-            <a:off x="3819133" y="3069344"/>
-            <a:ext cx="5593239" cy="276999"/>
+        <p:spPr bwMode="gray">
+          <a:xfrm>
+            <a:off x="504000" y="5944029"/>
+            <a:ext cx="944661" cy="402796"/>
           </a:xfrm>
           <a:prstGeom prst="rect">
             <a:avLst/>
           </a:prstGeom>
-          <a:noFill/>
+          <a:solidFill>
+            <a:schemeClr val="bg2"/>
+          </a:solidFill>
+          <a:ln w="6350" algn="ctr">
+            <a:noFill/>
+            <a:miter lim="800000"/>
+            <a:headEnd/>
+            <a:tailEnd/>
+          </a:ln>
         </p:spPr>
         <p:txBody>
-          <a:bodyPr wrap="square" lIns="0" tIns="0" rIns="0" bIns="0" rtlCol="0">
-            <a:spAutoFit/>
-          </a:bodyPr>
+          <a:bodyPr lIns="89979" tIns="71983" rIns="89979" bIns="71983" rtlCol="0" anchor="ctr"/>
           <a:lstStyle/>
           <a:p>
-            <a:pPr fontAlgn="base">
+            <a:pPr algn="ctr" defTabSz="914217" fontAlgn="base">
               <a:spcBef>
                 <a:spcPct val="50000"/>
               </a:spcBef>
@@ -11599,23 +10081,99 @@
               <a:buSzPct val="80000"/>
             </a:pPr>
             <a:r>
-              <a:rPr lang="en-US" altLang="zh-CN" sz="1800" kern="0" dirty="0">
+              <a:rPr lang="en-US" sz="1100" kern="0" dirty="0">
+                <a:solidFill>
+                  <a:sysClr val="windowText" lastClr="000000"/>
+                </a:solidFill>
                 <a:ea typeface="Arial Unicode MS" pitchFamily="34" charset="-128"/>
                 <a:cs typeface="Arial Unicode MS" pitchFamily="34" charset="-128"/>
               </a:rPr>
-              <a:t>Each tuple is mapped into key-value pair:</a:t>
-            </a:r>
-            <a:endParaRPr lang="zh-CN" altLang="en-US" sz="1800" kern="0" dirty="0" err="1">
-              <a:ea typeface="Arial Unicode MS" pitchFamily="34" charset="-128"/>
-              <a:cs typeface="Arial Unicode MS" pitchFamily="34" charset="-128"/>
-            </a:endParaRPr>
+              <a:t>Partner logo</a:t>
+            </a:r>
+          </a:p>
+        </p:txBody>
+      </p:sp>
+      <p:sp>
+        <p:nvSpPr>
+          <p:cNvPr id="3" name="Contact information"/>
+          <p:cNvSpPr>
+            <a:spLocks noGrp="1"/>
+          </p:cNvSpPr>
+          <p:nvPr>
+            <p:ph type="body" sz="quarter" idx="10"/>
+          </p:nvPr>
+        </p:nvSpPr>
+        <p:spPr bwMode="gray">
+          <a:xfrm>
+            <a:off x="504000" y="2905487"/>
+            <a:ext cx="5593588" cy="2501010"/>
+          </a:xfrm>
+        </p:spPr>
+        <p:txBody>
+          <a:bodyPr/>
+          <a:lstStyle/>
+          <a:p>
+            <a:r>
+              <a:rPr lang="en-US" dirty="0"/>
+              <a:t>Contact information:</a:t>
+            </a:r>
+          </a:p>
+          <a:p>
+            <a:pPr lvl="1"/>
+            <a:r>
+              <a:rPr lang="en-US" b="1" dirty="0"/>
+              <a:t>F name L name</a:t>
+            </a:r>
+          </a:p>
+          <a:p>
+            <a:pPr lvl="1"/>
+            <a:r>
+              <a:rPr lang="en-US" dirty="0"/>
+              <a:t>Title</a:t>
+            </a:r>
+          </a:p>
+          <a:p>
+            <a:pPr lvl="1"/>
+            <a:r>
+              <a:rPr lang="en-US" dirty="0"/>
+              <a:t>Address</a:t>
+            </a:r>
+          </a:p>
+          <a:p>
+            <a:pPr lvl="1"/>
+            <a:r>
+              <a:rPr lang="en-US" dirty="0"/>
+              <a:t>Phone number</a:t>
+            </a:r>
+          </a:p>
+        </p:txBody>
+      </p:sp>
+      <p:sp>
+        <p:nvSpPr>
+          <p:cNvPr id="2" name="Thank you"/>
+          <p:cNvSpPr>
+            <a:spLocks noGrp="1"/>
+          </p:cNvSpPr>
+          <p:nvPr>
+            <p:ph type="ctrTitle"/>
+          </p:nvPr>
+        </p:nvSpPr>
+        <p:spPr bwMode="gray"/>
+        <p:txBody>
+          <a:bodyPr/>
+          <a:lstStyle/>
+          <a:p>
+            <a:r>
+              <a:rPr lang="en-US" dirty="0"/>
+              <a:t>Thank you.</a:t>
+            </a:r>
           </a:p>
         </p:txBody>
       </p:sp>
     </p:spTree>
     <p:extLst>
       <p:ext uri="{BB962C8B-B14F-4D97-AF65-F5344CB8AC3E}">
-        <p14:creationId xmlns:p14="http://schemas.microsoft.com/office/powerpoint/2010/main" val="2919723338"/>
+        <p14:creationId xmlns:p14="http://schemas.microsoft.com/office/powerpoint/2010/main" val="1881851238"/>
       </p:ext>
     </p:extLst>
   </p:cSld>
@@ -12581,21 +11139,6 @@
 </file>
 
 <file path=customXml/item1.xml><?xml version="1.0" encoding="utf-8"?>
-<?mso-contentType ?>
-<FormTemplates xmlns="http://schemas.microsoft.com/sharepoint/v3/contenttype/forms">
-  <Display>DocumentLibraryForm</Display>
-  <Edit>DocumentLibraryForm</Edit>
-  <New>DocumentLibraryForm</New>
-</FormTemplates>
-</file>
-
-<file path=customXml/item2.xml><?xml version="1.0" encoding="utf-8"?>
-<p:properties xmlns:p="http://schemas.microsoft.com/office/2006/metadata/properties" xmlns:xsi="http://www.w3.org/2001/XMLSchema-instance" xmlns:pc="http://schemas.microsoft.com/office/infopath/2007/PartnerControls">
-  <documentManagement/>
-</p:properties>
-</file>
-
-<file path=customXml/item3.xml><?xml version="1.0" encoding="utf-8"?>
 <ct:contentTypeSchema xmlns:ct="http://schemas.microsoft.com/office/2006/metadata/contentType" xmlns:ma="http://schemas.microsoft.com/office/2006/metadata/properties/metaAttributes" ct:_="" ma:_="" ma:contentTypeName="Dokument" ma:contentTypeID="0x010100FE3E8B596245C240B913CA1825D8323E" ma:contentTypeVersion="2" ma:contentTypeDescription="Ein neues Dokument erstellen." ma:contentTypeScope="" ma:versionID="d07af3819a34b45ea68cbd04711a1fcb">
   <xsd:schema xmlns:xsd="http://www.w3.org/2001/XMLSchema" xmlns:xs="http://www.w3.org/2001/XMLSchema" xmlns:p="http://schemas.microsoft.com/office/2006/metadata/properties" xmlns:ns2="cbd03908-ee30-408a-b5f8-8b129e892ff3" targetNamespace="http://schemas.microsoft.com/office/2006/metadata/properties" ma:root="true" ma:fieldsID="1f4ce58f1eea7887a27fb72747442165" ns2:_="">
     <xsd:import namespace="cbd03908-ee30-408a-b5f8-8b129e892ff3"/>
@@ -12727,24 +11270,22 @@
 </ct:contentTypeSchema>
 </file>
 
-<file path=customXml/itemProps1.xml><?xml version="1.0" encoding="utf-8"?>
-<ds:datastoreItem xmlns:ds="http://schemas.openxmlformats.org/officeDocument/2006/customXml" ds:itemID="{2DA81D51-CB8B-4E00-A304-5985D65D0CEC}">
-  <ds:schemaRefs>
-    <ds:schemaRef ds:uri="http://schemas.microsoft.com/sharepoint/v3/contenttype/forms"/>
-  </ds:schemaRefs>
-</ds:datastoreItem>
+<file path=customXml/item2.xml><?xml version="1.0" encoding="utf-8"?>
+<p:properties xmlns:p="http://schemas.microsoft.com/office/2006/metadata/properties" xmlns:xsi="http://www.w3.org/2001/XMLSchema-instance" xmlns:pc="http://schemas.microsoft.com/office/infopath/2007/PartnerControls">
+  <documentManagement/>
+</p:properties>
 </file>
 
-<file path=customXml/itemProps2.xml><?xml version="1.0" encoding="utf-8"?>
-<ds:datastoreItem xmlns:ds="http://schemas.openxmlformats.org/officeDocument/2006/customXml" ds:itemID="{B5A61EA0-C632-450D-8732-FBE1B6CC6F01}">
-  <ds:schemaRefs>
-    <ds:schemaRef ds:uri="http://schemas.microsoft.com/office/2006/metadata/properties"/>
-    <ds:schemaRef ds:uri="http://schemas.microsoft.com/office/infopath/2007/PartnerControls"/>
-  </ds:schemaRefs>
-</ds:datastoreItem>
+<file path=customXml/item3.xml><?xml version="1.0" encoding="utf-8"?>
+<?mso-contentType ?>
+<FormTemplates xmlns="http://schemas.microsoft.com/sharepoint/v3/contenttype/forms">
+  <Display>DocumentLibraryForm</Display>
+  <Edit>DocumentLibraryForm</Edit>
+  <New>DocumentLibraryForm</New>
+</FormTemplates>
 </file>
 
-<file path=customXml/itemProps3.xml><?xml version="1.0" encoding="utf-8"?>
+<file path=customXml/itemProps1.xml><?xml version="1.0" encoding="utf-8"?>
 <ds:datastoreItem xmlns:ds="http://schemas.openxmlformats.org/officeDocument/2006/customXml" ds:itemID="{5BCC86C0-0DD0-4840-A0C1-33A1E70698E1}">
   <ds:schemaRefs>
     <ds:schemaRef ds:uri="http://schemas.microsoft.com/office/2006/metadata/contentType"/>
@@ -12760,4 +11301,21 @@
     <ds:schemaRef ds:uri="http://schemas.microsoft.com/internal/obd"/>
   </ds:schemaRefs>
 </ds:datastoreItem>
+</file>
+
+<file path=customXml/itemProps2.xml><?xml version="1.0" encoding="utf-8"?>
+<ds:datastoreItem xmlns:ds="http://schemas.openxmlformats.org/officeDocument/2006/customXml" ds:itemID="{B5A61EA0-C632-450D-8732-FBE1B6CC6F01}">
+  <ds:schemaRefs>
+    <ds:schemaRef ds:uri="http://schemas.microsoft.com/office/2006/metadata/properties"/>
+    <ds:schemaRef ds:uri="http://schemas.microsoft.com/office/infopath/2007/PartnerControls"/>
+  </ds:schemaRefs>
+</ds:datastoreItem>
+</file>
+
+<file path=customXml/itemProps3.xml><?xml version="1.0" encoding="utf-8"?>
+<ds:datastoreItem xmlns:ds="http://schemas.openxmlformats.org/officeDocument/2006/customXml" ds:itemID="{2DA81D51-CB8B-4E00-A304-5985D65D0CEC}">
+  <ds:schemaRefs>
+    <ds:schemaRef ds:uri="http://schemas.microsoft.com/sharepoint/v3/contenttype/forms"/>
+  </ds:schemaRefs>
+</ds:datastoreItem>
 </file>
--- a/NoSQL/The Survey On CockroachDB.pptx
+++ b/NoSQL/The Survey On CockroachDB.pptx
@@ -6,10 +6,10 @@
     <p:sldMasterId id="2147483782" r:id="rId5"/>
   </p:sldMasterIdLst>
   <p:notesMasterIdLst>
-    <p:notesMasterId r:id="rId16"/>
+    <p:notesMasterId r:id="rId17"/>
   </p:notesMasterIdLst>
   <p:handoutMasterIdLst>
-    <p:handoutMasterId r:id="rId17"/>
+    <p:handoutMasterId r:id="rId18"/>
   </p:handoutMasterIdLst>
   <p:sldIdLst>
     <p:sldId id="439" r:id="rId6"/>
@@ -20,8 +20,9 @@
     <p:sldId id="455" r:id="rId11"/>
     <p:sldId id="456" r:id="rId12"/>
     <p:sldId id="364" r:id="rId13"/>
-    <p:sldId id="413" r:id="rId14"/>
-    <p:sldId id="265" r:id="rId15"/>
+    <p:sldId id="457" r:id="rId14"/>
+    <p:sldId id="413" r:id="rId15"/>
+    <p:sldId id="265" r:id="rId16"/>
   </p:sldIdLst>
   <p:sldSz cx="12195175" cy="6858000"/>
   <p:notesSz cx="6858000" cy="9144000"/>
@@ -717,7 +718,7 @@
             <a:fld id="{7D8C2C35-2B8A-446E-BEC0-FD36716C29AC}" type="slidenum">
               <a:rPr lang="de-DE" smtClean="0"/>
               <a:pPr/>
-              <a:t>10</a:t>
+              <a:t>11</a:t>
             </a:fld>
             <a:endParaRPr lang="de-DE" dirty="0"/>
           </a:p>
@@ -8687,6 +8688,166 @@
 </file>
 
 <file path=ppt/slides/slide10.xml><?xml version="1.0" encoding="utf-8"?>
+<p:sld xmlns:a="http://schemas.openxmlformats.org/drawingml/2006/main" xmlns:r="http://schemas.openxmlformats.org/officeDocument/2006/relationships" xmlns:p="http://schemas.openxmlformats.org/presentationml/2006/main">
+  <p:cSld>
+    <p:spTree>
+      <p:nvGrpSpPr>
+        <p:cNvPr id="1" name=""/>
+        <p:cNvGrpSpPr/>
+        <p:nvPr/>
+      </p:nvGrpSpPr>
+      <p:grpSpPr>
+        <a:xfrm>
+          <a:off x="0" y="0"/>
+          <a:ext cx="0" cy="0"/>
+          <a:chOff x="0" y="0"/>
+          <a:chExt cx="0" cy="0"/>
+        </a:xfrm>
+      </p:grpSpPr>
+      <p:sp>
+        <p:nvSpPr>
+          <p:cNvPr id="4" name="Placeholder Partner logo"/>
+          <p:cNvSpPr/>
+          <p:nvPr/>
+        </p:nvSpPr>
+        <p:spPr bwMode="gray">
+          <a:xfrm>
+            <a:off x="504000" y="5944029"/>
+            <a:ext cx="944661" cy="402796"/>
+          </a:xfrm>
+          <a:prstGeom prst="rect">
+            <a:avLst/>
+          </a:prstGeom>
+          <a:solidFill>
+            <a:schemeClr val="bg2"/>
+          </a:solidFill>
+          <a:ln w="6350" algn="ctr">
+            <a:noFill/>
+            <a:miter lim="800000"/>
+            <a:headEnd/>
+            <a:tailEnd/>
+          </a:ln>
+        </p:spPr>
+        <p:txBody>
+          <a:bodyPr lIns="89979" tIns="71983" rIns="89979" bIns="71983" rtlCol="0" anchor="ctr"/>
+          <a:lstStyle/>
+          <a:p>
+            <a:pPr algn="ctr" defTabSz="914217" fontAlgn="base">
+              <a:spcBef>
+                <a:spcPct val="50000"/>
+              </a:spcBef>
+              <a:spcAft>
+                <a:spcPct val="0"/>
+              </a:spcAft>
+              <a:buClr>
+                <a:srgbClr val="F0AB00"/>
+              </a:buClr>
+              <a:buSzPct val="80000"/>
+            </a:pPr>
+            <a:r>
+              <a:rPr lang="en-US" sz="1100" kern="0" dirty="0">
+                <a:solidFill>
+                  <a:sysClr val="windowText" lastClr="000000"/>
+                </a:solidFill>
+                <a:ea typeface="Arial Unicode MS" pitchFamily="34" charset="-128"/>
+                <a:cs typeface="Arial Unicode MS" pitchFamily="34" charset="-128"/>
+              </a:rPr>
+              <a:t>Partner logo</a:t>
+            </a:r>
+          </a:p>
+        </p:txBody>
+      </p:sp>
+      <p:sp>
+        <p:nvSpPr>
+          <p:cNvPr id="3" name="Contact information"/>
+          <p:cNvSpPr>
+            <a:spLocks noGrp="1"/>
+          </p:cNvSpPr>
+          <p:nvPr>
+            <p:ph type="body" sz="quarter" idx="10"/>
+          </p:nvPr>
+        </p:nvSpPr>
+        <p:spPr bwMode="gray">
+          <a:xfrm>
+            <a:off x="504000" y="2905487"/>
+            <a:ext cx="5593588" cy="2501010"/>
+          </a:xfrm>
+        </p:spPr>
+        <p:txBody>
+          <a:bodyPr/>
+          <a:lstStyle/>
+          <a:p>
+            <a:r>
+              <a:rPr lang="en-US" dirty="0"/>
+              <a:t>Contact information:</a:t>
+            </a:r>
+          </a:p>
+          <a:p>
+            <a:pPr lvl="1"/>
+            <a:r>
+              <a:rPr lang="en-US" b="1" dirty="0"/>
+              <a:t>F name L name</a:t>
+            </a:r>
+          </a:p>
+          <a:p>
+            <a:pPr lvl="1"/>
+            <a:r>
+              <a:rPr lang="en-US" dirty="0"/>
+              <a:t>Title</a:t>
+            </a:r>
+          </a:p>
+          <a:p>
+            <a:pPr lvl="1"/>
+            <a:r>
+              <a:rPr lang="en-US" dirty="0"/>
+              <a:t>Address</a:t>
+            </a:r>
+          </a:p>
+          <a:p>
+            <a:pPr lvl="1"/>
+            <a:r>
+              <a:rPr lang="en-US" dirty="0"/>
+              <a:t>Phone number</a:t>
+            </a:r>
+          </a:p>
+        </p:txBody>
+      </p:sp>
+      <p:sp>
+        <p:nvSpPr>
+          <p:cNvPr id="2" name="Thank you"/>
+          <p:cNvSpPr>
+            <a:spLocks noGrp="1"/>
+          </p:cNvSpPr>
+          <p:nvPr>
+            <p:ph type="ctrTitle"/>
+          </p:nvPr>
+        </p:nvSpPr>
+        <p:spPr bwMode="gray"/>
+        <p:txBody>
+          <a:bodyPr/>
+          <a:lstStyle/>
+          <a:p>
+            <a:r>
+              <a:rPr lang="en-US" dirty="0"/>
+              <a:t>Thank you.</a:t>
+            </a:r>
+          </a:p>
+        </p:txBody>
+      </p:sp>
+    </p:spTree>
+    <p:extLst>
+      <p:ext uri="{BB962C8B-B14F-4D97-AF65-F5344CB8AC3E}">
+        <p14:creationId xmlns:p14="http://schemas.microsoft.com/office/powerpoint/2010/main" val="1881851238"/>
+      </p:ext>
+    </p:extLst>
+  </p:cSld>
+  <p:clrMapOvr>
+    <a:masterClrMapping/>
+  </p:clrMapOvr>
+</p:sld>
+</file>
+
+<file path=ppt/slides/slide11.xml><?xml version="1.0" encoding="utf-8"?>
 <p:sld xmlns:a="http://schemas.openxmlformats.org/drawingml/2006/main" xmlns:r="http://schemas.openxmlformats.org/officeDocument/2006/relationships" xmlns:p="http://schemas.openxmlformats.org/presentationml/2006/main" show="0">
   <p:cSld>
     <p:spTree>
@@ -10042,71 +10203,18 @@
       </p:grpSpPr>
       <p:sp>
         <p:nvSpPr>
-          <p:cNvPr id="4" name="Placeholder Partner logo"/>
-          <p:cNvSpPr/>
-          <p:nvPr/>
-        </p:nvSpPr>
-        <p:spPr bwMode="gray">
-          <a:xfrm>
-            <a:off x="504000" y="5944029"/>
-            <a:ext cx="944661" cy="402796"/>
-          </a:xfrm>
-          <a:prstGeom prst="rect">
-            <a:avLst/>
-          </a:prstGeom>
-          <a:solidFill>
-            <a:schemeClr val="bg2"/>
-          </a:solidFill>
-          <a:ln w="6350" algn="ctr">
-            <a:noFill/>
-            <a:miter lim="800000"/>
-            <a:headEnd/>
-            <a:tailEnd/>
-          </a:ln>
-        </p:spPr>
-        <p:txBody>
-          <a:bodyPr lIns="89979" tIns="71983" rIns="89979" bIns="71983" rtlCol="0" anchor="ctr"/>
-          <a:lstStyle/>
-          <a:p>
-            <a:pPr algn="ctr" defTabSz="914217" fontAlgn="base">
-              <a:spcBef>
-                <a:spcPct val="50000"/>
-              </a:spcBef>
-              <a:spcAft>
-                <a:spcPct val="0"/>
-              </a:spcAft>
-              <a:buClr>
-                <a:srgbClr val="F0AB00"/>
-              </a:buClr>
-              <a:buSzPct val="80000"/>
-            </a:pPr>
-            <a:r>
-              <a:rPr lang="en-US" sz="1100" kern="0" dirty="0">
-                <a:solidFill>
-                  <a:sysClr val="windowText" lastClr="000000"/>
-                </a:solidFill>
-                <a:ea typeface="Arial Unicode MS" pitchFamily="34" charset="-128"/>
-                <a:cs typeface="Arial Unicode MS" pitchFamily="34" charset="-128"/>
-              </a:rPr>
-              <a:t>Partner logo</a:t>
-            </a:r>
-          </a:p>
-        </p:txBody>
-      </p:sp>
-      <p:sp>
-        <p:nvSpPr>
-          <p:cNvPr id="3" name="Contact information"/>
+          <p:cNvPr id="24" name="Title"/>
           <p:cNvSpPr>
             <a:spLocks noGrp="1"/>
           </p:cNvSpPr>
           <p:nvPr>
-            <p:ph type="body" sz="quarter" idx="10"/>
+            <p:ph type="title"/>
           </p:nvPr>
         </p:nvSpPr>
         <p:spPr bwMode="gray">
           <a:xfrm>
-            <a:off x="504000" y="2905487"/>
-            <a:ext cx="5593588" cy="2501010"/>
+            <a:off x="504001" y="431428"/>
+            <a:ext cx="11186476" cy="615553"/>
           </a:xfrm>
         </p:spPr>
         <p:txBody>
@@ -10114,66 +10222,53 @@
           <a:lstStyle/>
           <a:p>
             <a:r>
-              <a:rPr lang="en-US" dirty="0"/>
-              <a:t>Contact information:</a:t>
-            </a:r>
-          </a:p>
-          <a:p>
-            <a:pPr lvl="1"/>
-            <a:r>
-              <a:rPr lang="en-US" b="1" dirty="0"/>
-              <a:t>F name L name</a:t>
-            </a:r>
-          </a:p>
-          <a:p>
-            <a:pPr lvl="1"/>
-            <a:r>
-              <a:rPr lang="en-US" dirty="0"/>
-              <a:t>Title</a:t>
-            </a:r>
-          </a:p>
-          <a:p>
-            <a:pPr lvl="1"/>
-            <a:r>
-              <a:rPr lang="en-US" dirty="0"/>
-              <a:t>Address</a:t>
-            </a:r>
-          </a:p>
-          <a:p>
-            <a:pPr lvl="1"/>
-            <a:r>
-              <a:rPr lang="en-US" dirty="0"/>
-              <a:t>Phone number</a:t>
+              <a:rPr lang="en-US" dirty="0" err="1"/>
+              <a:t>TiDB</a:t>
+            </a:r>
+            <a:br>
+              <a:rPr lang="en-US" dirty="0"/>
+            </a:br>
+            <a:r>
+              <a:rPr lang="en-US" sz="1600" b="0" dirty="0"/>
+              <a:t>Architecture</a:t>
             </a:r>
           </a:p>
         </p:txBody>
       </p:sp>
-      <p:sp>
-        <p:nvSpPr>
-          <p:cNvPr id="2" name="Thank you"/>
-          <p:cNvSpPr>
-            <a:spLocks noGrp="1"/>
-          </p:cNvSpPr>
-          <p:nvPr>
-            <p:ph type="ctrTitle"/>
-          </p:nvPr>
-        </p:nvSpPr>
-        <p:spPr bwMode="gray"/>
-        <p:txBody>
-          <a:bodyPr/>
-          <a:lstStyle/>
-          <a:p>
-            <a:r>
-              <a:rPr lang="en-US" dirty="0"/>
-              <a:t>Thank you.</a:t>
-            </a:r>
-          </a:p>
-        </p:txBody>
-      </p:sp>
+      <p:pic>
+        <p:nvPicPr>
+          <p:cNvPr id="2" name="图片 1">
+            <a:extLst>
+              <a:ext uri="{FF2B5EF4-FFF2-40B4-BE49-F238E27FC236}">
+                <a16:creationId xmlns:a16="http://schemas.microsoft.com/office/drawing/2014/main" id="{8A2ACB15-60DD-4701-B42C-B3E04F94EBFF}"/>
+              </a:ext>
+            </a:extLst>
+          </p:cNvPr>
+          <p:cNvPicPr>
+            <a:picLocks noChangeAspect="1"/>
+          </p:cNvPicPr>
+          <p:nvPr/>
+        </p:nvPicPr>
+        <p:blipFill>
+          <a:blip r:embed="rId2"/>
+          <a:stretch>
+            <a:fillRect/>
+          </a:stretch>
+        </p:blipFill>
+        <p:spPr>
+          <a:xfrm>
+            <a:off x="1297616" y="1297329"/>
+            <a:ext cx="9599943" cy="5039971"/>
+          </a:xfrm>
+          <a:prstGeom prst="rect">
+            <a:avLst/>
+          </a:prstGeom>
+        </p:spPr>
+      </p:pic>
     </p:spTree>
     <p:extLst>
       <p:ext uri="{BB962C8B-B14F-4D97-AF65-F5344CB8AC3E}">
-        <p14:creationId xmlns:p14="http://schemas.microsoft.com/office/powerpoint/2010/main" val="1881851238"/>
+        <p14:creationId xmlns:p14="http://schemas.microsoft.com/office/powerpoint/2010/main" val="2541874014"/>
       </p:ext>
     </p:extLst>
   </p:cSld>
@@ -11139,6 +11234,21 @@
 </file>
 
 <file path=customXml/item1.xml><?xml version="1.0" encoding="utf-8"?>
+<?mso-contentType ?>
+<FormTemplates xmlns="http://schemas.microsoft.com/sharepoint/v3/contenttype/forms">
+  <Display>DocumentLibraryForm</Display>
+  <Edit>DocumentLibraryForm</Edit>
+  <New>DocumentLibraryForm</New>
+</FormTemplates>
+</file>
+
+<file path=customXml/item2.xml><?xml version="1.0" encoding="utf-8"?>
+<p:properties xmlns:p="http://schemas.microsoft.com/office/2006/metadata/properties" xmlns:xsi="http://www.w3.org/2001/XMLSchema-instance" xmlns:pc="http://schemas.microsoft.com/office/infopath/2007/PartnerControls">
+  <documentManagement/>
+</p:properties>
+</file>
+
+<file path=customXml/item3.xml><?xml version="1.0" encoding="utf-8"?>
 <ct:contentTypeSchema xmlns:ct="http://schemas.microsoft.com/office/2006/metadata/contentType" xmlns:ma="http://schemas.microsoft.com/office/2006/metadata/properties/metaAttributes" ct:_="" ma:_="" ma:contentTypeName="Dokument" ma:contentTypeID="0x010100FE3E8B596245C240B913CA1825D8323E" ma:contentTypeVersion="2" ma:contentTypeDescription="Ein neues Dokument erstellen." ma:contentTypeScope="" ma:versionID="d07af3819a34b45ea68cbd04711a1fcb">
   <xsd:schema xmlns:xsd="http://www.w3.org/2001/XMLSchema" xmlns:xs="http://www.w3.org/2001/XMLSchema" xmlns:p="http://schemas.microsoft.com/office/2006/metadata/properties" xmlns:ns2="cbd03908-ee30-408a-b5f8-8b129e892ff3" targetNamespace="http://schemas.microsoft.com/office/2006/metadata/properties" ma:root="true" ma:fieldsID="1f4ce58f1eea7887a27fb72747442165" ns2:_="">
     <xsd:import namespace="cbd03908-ee30-408a-b5f8-8b129e892ff3"/>
@@ -11270,22 +11380,24 @@
 </ct:contentTypeSchema>
 </file>
 
-<file path=customXml/item2.xml><?xml version="1.0" encoding="utf-8"?>
-<p:properties xmlns:p="http://schemas.microsoft.com/office/2006/metadata/properties" xmlns:xsi="http://www.w3.org/2001/XMLSchema-instance" xmlns:pc="http://schemas.microsoft.com/office/infopath/2007/PartnerControls">
-  <documentManagement/>
-</p:properties>
+<file path=customXml/itemProps1.xml><?xml version="1.0" encoding="utf-8"?>
+<ds:datastoreItem xmlns:ds="http://schemas.openxmlformats.org/officeDocument/2006/customXml" ds:itemID="{2DA81D51-CB8B-4E00-A304-5985D65D0CEC}">
+  <ds:schemaRefs>
+    <ds:schemaRef ds:uri="http://schemas.microsoft.com/sharepoint/v3/contenttype/forms"/>
+  </ds:schemaRefs>
+</ds:datastoreItem>
 </file>
 
-<file path=customXml/item3.xml><?xml version="1.0" encoding="utf-8"?>
-<?mso-contentType ?>
-<FormTemplates xmlns="http://schemas.microsoft.com/sharepoint/v3/contenttype/forms">
-  <Display>DocumentLibraryForm</Display>
-  <Edit>DocumentLibraryForm</Edit>
-  <New>DocumentLibraryForm</New>
-</FormTemplates>
+<file path=customXml/itemProps2.xml><?xml version="1.0" encoding="utf-8"?>
+<ds:datastoreItem xmlns:ds="http://schemas.openxmlformats.org/officeDocument/2006/customXml" ds:itemID="{B5A61EA0-C632-450D-8732-FBE1B6CC6F01}">
+  <ds:schemaRefs>
+    <ds:schemaRef ds:uri="http://schemas.microsoft.com/office/2006/metadata/properties"/>
+    <ds:schemaRef ds:uri="http://schemas.microsoft.com/office/infopath/2007/PartnerControls"/>
+  </ds:schemaRefs>
+</ds:datastoreItem>
 </file>
 
-<file path=customXml/itemProps1.xml><?xml version="1.0" encoding="utf-8"?>
+<file path=customXml/itemProps3.xml><?xml version="1.0" encoding="utf-8"?>
 <ds:datastoreItem xmlns:ds="http://schemas.openxmlformats.org/officeDocument/2006/customXml" ds:itemID="{5BCC86C0-0DD0-4840-A0C1-33A1E70698E1}">
   <ds:schemaRefs>
     <ds:schemaRef ds:uri="http://schemas.microsoft.com/office/2006/metadata/contentType"/>
@@ -11301,21 +11413,4 @@
     <ds:schemaRef ds:uri="http://schemas.microsoft.com/internal/obd"/>
   </ds:schemaRefs>
 </ds:datastoreItem>
-</file>
-
-<file path=customXml/itemProps2.xml><?xml version="1.0" encoding="utf-8"?>
-<ds:datastoreItem xmlns:ds="http://schemas.openxmlformats.org/officeDocument/2006/customXml" ds:itemID="{B5A61EA0-C632-450D-8732-FBE1B6CC6F01}">
-  <ds:schemaRefs>
-    <ds:schemaRef ds:uri="http://schemas.microsoft.com/office/2006/metadata/properties"/>
-    <ds:schemaRef ds:uri="http://schemas.microsoft.com/office/infopath/2007/PartnerControls"/>
-  </ds:schemaRefs>
-</ds:datastoreItem>
-</file>
-
-<file path=customXml/itemProps3.xml><?xml version="1.0" encoding="utf-8"?>
-<ds:datastoreItem xmlns:ds="http://schemas.openxmlformats.org/officeDocument/2006/customXml" ds:itemID="{2DA81D51-CB8B-4E00-A304-5985D65D0CEC}">
-  <ds:schemaRefs>
-    <ds:schemaRef ds:uri="http://schemas.microsoft.com/sharepoint/v3/contenttype/forms"/>
-  </ds:schemaRefs>
-</ds:datastoreItem>
 </file>